--- a/JUG - EMF for students.pptx
+++ b/JUG - EMF for students.pptx
@@ -5,27 +5,28 @@
     <p:sldMasterId id="2147483648" r:id="rId4"/>
   </p:sldMasterIdLst>
   <p:notesMasterIdLst>
-    <p:notesMasterId r:id="rId20"/>
+    <p:notesMasterId r:id="rId21"/>
   </p:notesMasterIdLst>
   <p:handoutMasterIdLst>
-    <p:handoutMasterId r:id="rId21"/>
+    <p:handoutMasterId r:id="rId22"/>
   </p:handoutMasterIdLst>
   <p:sldIdLst>
     <p:sldId id="280" r:id="rId5"/>
     <p:sldId id="274" r:id="rId6"/>
-    <p:sldId id="282" r:id="rId7"/>
-    <p:sldId id="305" r:id="rId8"/>
-    <p:sldId id="281" r:id="rId9"/>
-    <p:sldId id="286" r:id="rId10"/>
-    <p:sldId id="303" r:id="rId11"/>
-    <p:sldId id="304" r:id="rId12"/>
-    <p:sldId id="285" r:id="rId13"/>
-    <p:sldId id="284" r:id="rId14"/>
-    <p:sldId id="287" r:id="rId15"/>
-    <p:sldId id="301" r:id="rId16"/>
-    <p:sldId id="302" r:id="rId17"/>
-    <p:sldId id="283" r:id="rId18"/>
-    <p:sldId id="291" r:id="rId19"/>
+    <p:sldId id="306" r:id="rId7"/>
+    <p:sldId id="282" r:id="rId8"/>
+    <p:sldId id="305" r:id="rId9"/>
+    <p:sldId id="281" r:id="rId10"/>
+    <p:sldId id="286" r:id="rId11"/>
+    <p:sldId id="303" r:id="rId12"/>
+    <p:sldId id="304" r:id="rId13"/>
+    <p:sldId id="285" r:id="rId14"/>
+    <p:sldId id="284" r:id="rId15"/>
+    <p:sldId id="287" r:id="rId16"/>
+    <p:sldId id="301" r:id="rId17"/>
+    <p:sldId id="302" r:id="rId18"/>
+    <p:sldId id="283" r:id="rId19"/>
+    <p:sldId id="291" r:id="rId20"/>
   </p:sldIdLst>
   <p:sldSz cx="12192000" cy="6858000"/>
   <p:notesSz cx="6858000" cy="9144000"/>
@@ -266,7 +267,7 @@
             <a:fld id="{056D73CD-AD5E-416F-914D-693791469B20}" type="datetimeFigureOut">
               <a:rPr lang="pl-PL" smtClean="0"/>
               <a:pPr/>
-              <a:t>2015-12-07</a:t>
+              <a:t>2015-12-11</a:t>
             </a:fld>
             <a:endParaRPr lang="pl-PL"/>
           </a:p>
@@ -433,7 +434,7 @@
             <a:fld id="{42E25A34-81B0-4A1E-8A53-54C191A31FEF}" type="datetimeFigureOut">
               <a:rPr lang="pl-PL" smtClean="0"/>
               <a:pPr/>
-              <a:t>2015-12-07</a:t>
+              <a:t>2015-12-11</a:t>
             </a:fld>
             <a:endParaRPr lang="pl-PL"/>
           </a:p>
@@ -878,17 +879,6 @@
               <a:t>Dwa pojęcia: model oraz automatyzacja(generowanie kodu)</a:t>
             </a:r>
           </a:p>
-          <a:p>
-            <a:pPr marL="171450" indent="-171450">
-              <a:buFontTx/>
-              <a:buChar char="-"/>
-            </a:pPr>
-            <a:r>
-              <a:rPr lang="pl-PL" baseline="0" dirty="0" smtClean="0"/>
-              <a:t>Zalety MDD</a:t>
-            </a:r>
-            <a:endParaRPr lang="pl-PL" dirty="0"/>
-          </a:p>
         </p:txBody>
       </p:sp>
       <p:sp>
@@ -918,7 +908,7 @@
     </p:spTree>
     <p:extLst>
       <p:ext uri="{BB962C8B-B14F-4D97-AF65-F5344CB8AC3E}">
-        <p14:creationId xmlns:p14="http://schemas.microsoft.com/office/powerpoint/2010/main" val="586894559"/>
+        <p14:creationId xmlns:p14="http://schemas.microsoft.com/office/powerpoint/2010/main" val="1509888510"/>
       </p:ext>
     </p:extLst>
   </p:cSld>
@@ -977,39 +967,13 @@
               <a:buChar char="-"/>
             </a:pPr>
             <a:r>
-              <a:rPr lang="pl-PL" dirty="0" smtClean="0"/>
-              <a:t>Czym</a:t>
-            </a:r>
-            <a:r>
               <a:rPr lang="pl-PL" baseline="0" dirty="0" smtClean="0"/>
-              <a:t> jest eclipse</a:t>
-            </a:r>
-          </a:p>
-          <a:p>
-            <a:pPr marL="171450" indent="-171450">
-              <a:buFontTx/>
-              <a:buChar char="-"/>
-            </a:pPr>
+              <a:t>Zalety </a:t>
+            </a:r>
             <a:r>
               <a:rPr lang="pl-PL" baseline="0" dirty="0" smtClean="0"/>
-              <a:t>Platform RCP</a:t>
-            </a:r>
-          </a:p>
-          <a:p>
-            <a:pPr marL="171450" indent="-171450">
-              <a:buFontTx/>
-              <a:buChar char="-"/>
-            </a:pPr>
-            <a:r>
-              <a:rPr lang="pl-PL" baseline="0" dirty="0" smtClean="0"/>
-              <a:t>Platforma dla web applications(rap)</a:t>
-            </a:r>
-          </a:p>
-          <a:p>
-            <a:pPr marL="171450" indent="-171450">
-              <a:buFontTx/>
-              <a:buChar char="-"/>
-            </a:pPr>
+              <a:t>MDD</a:t>
+            </a:r>
             <a:endParaRPr lang="pl-PL" dirty="0"/>
           </a:p>
         </p:txBody>
@@ -1041,7 +1005,7 @@
     </p:spTree>
     <p:extLst>
       <p:ext uri="{BB962C8B-B14F-4D97-AF65-F5344CB8AC3E}">
-        <p14:creationId xmlns:p14="http://schemas.microsoft.com/office/powerpoint/2010/main" val="3783441492"/>
+        <p14:creationId xmlns:p14="http://schemas.microsoft.com/office/powerpoint/2010/main" val="586894559"/>
       </p:ext>
     </p:extLst>
   </p:cSld>
@@ -1101,7 +1065,11 @@
             </a:pPr>
             <a:r>
               <a:rPr lang="pl-PL" dirty="0" smtClean="0"/>
-              <a:t>Czesc projektu Eclipse</a:t>
+              <a:t>Czym</a:t>
+            </a:r>
+            <a:r>
+              <a:rPr lang="pl-PL" baseline="0" dirty="0" smtClean="0"/>
+              <a:t> jest eclipse</a:t>
             </a:r>
           </a:p>
           <a:p>
@@ -1110,13 +1078,25 @@
               <a:buChar char="-"/>
             </a:pPr>
             <a:r>
-              <a:rPr lang="pl-PL" dirty="0" smtClean="0"/>
-              <a:t>Przede</a:t>
-            </a:r>
-            <a:r>
               <a:rPr lang="pl-PL" baseline="0" dirty="0" smtClean="0"/>
-              <a:t> wszystkim narzedzie do generowania kodu oraz dubowy edytorów</a:t>
-            </a:r>
+              <a:t>Platform RCP</a:t>
+            </a:r>
+          </a:p>
+          <a:p>
+            <a:pPr marL="171450" indent="-171450">
+              <a:buFontTx/>
+              <a:buChar char="-"/>
+            </a:pPr>
+            <a:r>
+              <a:rPr lang="pl-PL" baseline="0" dirty="0" smtClean="0"/>
+              <a:t>Platforma dla web applications(rap)</a:t>
+            </a:r>
+          </a:p>
+          <a:p>
+            <a:pPr marL="171450" indent="-171450">
+              <a:buFontTx/>
+              <a:buChar char="-"/>
+            </a:pPr>
             <a:endParaRPr lang="pl-PL" dirty="0"/>
           </a:p>
         </p:txBody>
@@ -1148,7 +1128,7 @@
     </p:spTree>
     <p:extLst>
       <p:ext uri="{BB962C8B-B14F-4D97-AF65-F5344CB8AC3E}">
-        <p14:creationId xmlns:p14="http://schemas.microsoft.com/office/powerpoint/2010/main" val="1956788979"/>
+        <p14:creationId xmlns:p14="http://schemas.microsoft.com/office/powerpoint/2010/main" val="3783441492"/>
       </p:ext>
     </p:extLst>
   </p:cSld>
@@ -1208,11 +1188,7 @@
             </a:pPr>
             <a:r>
               <a:rPr lang="pl-PL" dirty="0" smtClean="0"/>
-              <a:t>Zrobimy</a:t>
-            </a:r>
-            <a:r>
-              <a:rPr lang="pl-PL" baseline="0" dirty="0" smtClean="0"/>
-              <a:t> nowy projekt</a:t>
+              <a:t>Czesc projektu Eclipse</a:t>
             </a:r>
           </a:p>
           <a:p>
@@ -1221,58 +1197,12 @@
               <a:buChar char="-"/>
             </a:pPr>
             <a:r>
+              <a:rPr lang="pl-PL" dirty="0" smtClean="0"/>
+              <a:t>Przede</a:t>
+            </a:r>
+            <a:r>
               <a:rPr lang="pl-PL" baseline="0" dirty="0" smtClean="0"/>
-              <a:t>Zroimy model</a:t>
-            </a:r>
-          </a:p>
-          <a:p>
-            <a:pPr marL="171450" indent="-171450">
-              <a:buFontTx/>
-              <a:buChar char="-"/>
-            </a:pPr>
-            <a:r>
-              <a:rPr lang="pl-PL" baseline="0" dirty="0" smtClean="0"/>
-              <a:t>Wygenerujemy kod</a:t>
-            </a:r>
-          </a:p>
-          <a:p>
-            <a:pPr marL="171450" indent="-171450">
-              <a:buFontTx/>
-              <a:buChar char="-"/>
-            </a:pPr>
-            <a:r>
-              <a:rPr lang="pl-PL" baseline="0" dirty="0" smtClean="0"/>
-              <a:t>Zeminimy model i przegenerujemy kod</a:t>
-            </a:r>
-          </a:p>
-          <a:p>
-            <a:pPr marL="171450" indent="-171450">
-              <a:buFontTx/>
-              <a:buChar char="-"/>
-            </a:pPr>
-            <a:r>
-              <a:rPr lang="pl-PL" baseline="0" dirty="0" smtClean="0"/>
-              <a:t>Zrobimy nowa metode w modelu</a:t>
-            </a:r>
-          </a:p>
-          <a:p>
-            <a:pPr marL="171450" indent="-171450">
-              <a:buFontTx/>
-              <a:buChar char="-"/>
-            </a:pPr>
-            <a:r>
-              <a:rPr lang="pl-PL" baseline="0" dirty="0" smtClean="0"/>
-              <a:t>Wygenerujemy kod, dodamy cialo metody, wygenerujemy kod</a:t>
-            </a:r>
-          </a:p>
-          <a:p>
-            <a:pPr marL="171450" indent="-171450">
-              <a:buFontTx/>
-              <a:buChar char="-"/>
-            </a:pPr>
-            <a:r>
-              <a:rPr lang="pl-PL" baseline="0" dirty="0" smtClean="0"/>
-              <a:t>zrobimy to samo ale dodamy GENERATE NOT</a:t>
+              <a:t> wszystkim narzedzie do generowania kodu oraz dubowy edytorów</a:t>
             </a:r>
             <a:endParaRPr lang="pl-PL" dirty="0"/>
           </a:p>
@@ -1305,7 +1235,7 @@
     </p:spTree>
     <p:extLst>
       <p:ext uri="{BB962C8B-B14F-4D97-AF65-F5344CB8AC3E}">
-        <p14:creationId xmlns:p14="http://schemas.microsoft.com/office/powerpoint/2010/main" val="4136145979"/>
+        <p14:creationId xmlns:p14="http://schemas.microsoft.com/office/powerpoint/2010/main" val="1956788979"/>
       </p:ext>
     </p:extLst>
   </p:cSld>
@@ -1359,49 +1289,77 @@
           <a:bodyPr/>
           <a:lstStyle/>
           <a:p>
+            <a:pPr marL="171450" indent="-171450">
+              <a:buFontTx/>
+              <a:buChar char="-"/>
+            </a:pPr>
             <a:r>
               <a:rPr lang="pl-PL" dirty="0" smtClean="0"/>
-              <a:t>Zrobimy edit</a:t>
+              <a:t>Zrobimy</a:t>
             </a:r>
             <a:r>
               <a:rPr lang="pl-PL" baseline="0" dirty="0" smtClean="0"/>
-              <a:t> oraz editor</a:t>
-            </a:r>
-          </a:p>
-          <a:p>
+              <a:t> nowy projekt</a:t>
+            </a:r>
+          </a:p>
+          <a:p>
+            <a:pPr marL="171450" indent="-171450">
+              <a:buFontTx/>
+              <a:buChar char="-"/>
+            </a:pPr>
             <a:r>
               <a:rPr lang="pl-PL" baseline="0" dirty="0" smtClean="0"/>
-              <a:t>Uruchomiy ten edytor</a:t>
-            </a:r>
-          </a:p>
-          <a:p>
+              <a:t>Zroimy model</a:t>
+            </a:r>
+          </a:p>
+          <a:p>
+            <a:pPr marL="171450" indent="-171450">
+              <a:buFontTx/>
+              <a:buChar char="-"/>
+            </a:pPr>
             <a:r>
               <a:rPr lang="pl-PL" baseline="0" dirty="0" smtClean="0"/>
-              <a:t>Pokazemy aplikacje e4 (gotowa)</a:t>
-            </a:r>
-          </a:p>
-          <a:p>
+              <a:t>Wygenerujemy kod</a:t>
+            </a:r>
+          </a:p>
+          <a:p>
+            <a:pPr marL="171450" indent="-171450">
+              <a:buFontTx/>
+              <a:buChar char="-"/>
+            </a:pPr>
             <a:r>
               <a:rPr lang="pl-PL" baseline="0" dirty="0" smtClean="0"/>
-              <a:t>Pokazemy co w niej jest (walidacja, undo redo, data binding)</a:t>
-            </a:r>
-          </a:p>
-          <a:p>
+              <a:t>Zeminimy model i przegenerujemy kod</a:t>
+            </a:r>
+          </a:p>
+          <a:p>
+            <a:pPr marL="171450" indent="-171450">
+              <a:buFontTx/>
+              <a:buChar char="-"/>
+            </a:pPr>
             <a:r>
               <a:rPr lang="pl-PL" baseline="0" dirty="0" smtClean="0"/>
-              <a:t>Pokazemy jak powstal UI (view model).</a:t>
-            </a:r>
-          </a:p>
-          <a:p>
+              <a:t>Zrobimy nowa metode w modelu</a:t>
+            </a:r>
+          </a:p>
+          <a:p>
+            <a:pPr marL="171450" indent="-171450">
+              <a:buFontTx/>
+              <a:buChar char="-"/>
+            </a:pPr>
             <a:r>
               <a:rPr lang="pl-PL" baseline="0" dirty="0" smtClean="0"/>
-              <a:t>Pokazemy RAP</a:t>
-            </a:r>
-          </a:p>
-          <a:p>
+              <a:t>Wygenerujemy kod, dodamy cialo metody, wygenerujemy kod</a:t>
+            </a:r>
+          </a:p>
+          <a:p>
+            <a:pPr marL="171450" indent="-171450">
+              <a:buFontTx/>
+              <a:buChar char="-"/>
+            </a:pPr>
             <a:r>
               <a:rPr lang="pl-PL" baseline="0" dirty="0" smtClean="0"/>
-              <a:t>Pokazemy Sirius i jak powstal edytor dla sirius’a</a:t>
+              <a:t>zrobimy to samo ale dodamy GENERATE NOT</a:t>
             </a:r>
             <a:endParaRPr lang="pl-PL" dirty="0"/>
           </a:p>
@@ -1434,7 +1392,7 @@
     </p:spTree>
     <p:extLst>
       <p:ext uri="{BB962C8B-B14F-4D97-AF65-F5344CB8AC3E}">
-        <p14:creationId xmlns:p14="http://schemas.microsoft.com/office/powerpoint/2010/main" val="3413281069"/>
+        <p14:creationId xmlns:p14="http://schemas.microsoft.com/office/powerpoint/2010/main" val="4136145979"/>
       </p:ext>
     </p:extLst>
   </p:cSld>
@@ -1490,17 +1448,47 @@
           <a:p>
             <a:r>
               <a:rPr lang="pl-PL" dirty="0" smtClean="0"/>
-              <a:t>Pokazac</a:t>
+              <a:t>Zrobimy edit</a:t>
             </a:r>
             <a:r>
               <a:rPr lang="pl-PL" baseline="0" dirty="0" smtClean="0"/>
-              <a:t> kod, przykladowy interface</a:t>
+              <a:t> oraz editor</a:t>
             </a:r>
           </a:p>
           <a:p>
             <a:r>
               <a:rPr lang="pl-PL" baseline="0" dirty="0" smtClean="0"/>
-              <a:t>Pokazac w outline dostepne metody na eobject</a:t>
+              <a:t>Uruchomiy ten edytor</a:t>
+            </a:r>
+          </a:p>
+          <a:p>
+            <a:r>
+              <a:rPr lang="pl-PL" baseline="0" dirty="0" smtClean="0"/>
+              <a:t>Pokazemy aplikacje e4 (gotowa)</a:t>
+            </a:r>
+          </a:p>
+          <a:p>
+            <a:r>
+              <a:rPr lang="pl-PL" baseline="0" dirty="0" smtClean="0"/>
+              <a:t>Pokazemy co w niej jest (walidacja, undo redo, data binding)</a:t>
+            </a:r>
+          </a:p>
+          <a:p>
+            <a:r>
+              <a:rPr lang="pl-PL" baseline="0" dirty="0" smtClean="0"/>
+              <a:t>Pokazemy jak powstal UI (view model).</a:t>
+            </a:r>
+          </a:p>
+          <a:p>
+            <a:r>
+              <a:rPr lang="pl-PL" baseline="0" dirty="0" smtClean="0"/>
+              <a:t>Pokazemy RAP</a:t>
+            </a:r>
+          </a:p>
+          <a:p>
+            <a:r>
+              <a:rPr lang="pl-PL" baseline="0" dirty="0" smtClean="0"/>
+              <a:t>Pokazemy Sirius i jak powstal edytor dla sirius’a</a:t>
             </a:r>
             <a:endParaRPr lang="pl-PL" dirty="0"/>
           </a:p>
@@ -1524,7 +1512,7 @@
             <a:fld id="{7D04F4FF-59B2-4D62-9DC7-1EF3163A6483}" type="slidenum">
               <a:rPr lang="pl-PL" smtClean="0"/>
               <a:pPr/>
-              <a:t>11</a:t>
+              <a:t>8</a:t>
             </a:fld>
             <a:endParaRPr lang="pl-PL"/>
           </a:p>
@@ -1533,7 +1521,7 @@
     </p:spTree>
     <p:extLst>
       <p:ext uri="{BB962C8B-B14F-4D97-AF65-F5344CB8AC3E}">
-        <p14:creationId xmlns:p14="http://schemas.microsoft.com/office/powerpoint/2010/main" val="1203638354"/>
+        <p14:creationId xmlns:p14="http://schemas.microsoft.com/office/powerpoint/2010/main" val="3413281069"/>
       </p:ext>
     </p:extLst>
   </p:cSld>
@@ -1589,11 +1577,17 @@
           <a:p>
             <a:r>
               <a:rPr lang="pl-PL" dirty="0" smtClean="0"/>
-              <a:t>Pokazac przyklad z eclipse</a:t>
+              <a:t>Pokazac</a:t>
             </a:r>
             <a:r>
               <a:rPr lang="pl-PL" baseline="0" dirty="0" smtClean="0"/>
-              <a:t> editor.</a:t>
+              <a:t> kod, przykladowy interface</a:t>
+            </a:r>
+          </a:p>
+          <a:p>
+            <a:r>
+              <a:rPr lang="pl-PL" baseline="0" dirty="0" smtClean="0"/>
+              <a:t>Pokazac w outline dostepne metody na eobject</a:t>
             </a:r>
             <a:endParaRPr lang="pl-PL" dirty="0"/>
           </a:p>
@@ -1618,6 +1612,99 @@
               <a:rPr lang="pl-PL" smtClean="0"/>
               <a:pPr/>
               <a:t>12</a:t>
+            </a:fld>
+            <a:endParaRPr lang="pl-PL"/>
+          </a:p>
+        </p:txBody>
+      </p:sp>
+    </p:spTree>
+    <p:extLst>
+      <p:ext uri="{BB962C8B-B14F-4D97-AF65-F5344CB8AC3E}">
+        <p14:creationId xmlns:p14="http://schemas.microsoft.com/office/powerpoint/2010/main" val="1203638354"/>
+      </p:ext>
+    </p:extLst>
+  </p:cSld>
+  <p:clrMapOvr>
+    <a:masterClrMapping/>
+  </p:clrMapOvr>
+</p:notes>
+</file>
+
+<file path=ppt/notesSlides/notesSlide9.xml><?xml version="1.0" encoding="utf-8"?>
+<p:notes xmlns:a="http://schemas.openxmlformats.org/drawingml/2006/main" xmlns:r="http://schemas.openxmlformats.org/officeDocument/2006/relationships" xmlns:p="http://schemas.openxmlformats.org/presentationml/2006/main">
+  <p:cSld>
+    <p:spTree>
+      <p:nvGrpSpPr>
+        <p:cNvPr id="1" name=""/>
+        <p:cNvGrpSpPr/>
+        <p:nvPr/>
+      </p:nvGrpSpPr>
+      <p:grpSpPr>
+        <a:xfrm>
+          <a:off x="0" y="0"/>
+          <a:ext cx="0" cy="0"/>
+          <a:chOff x="0" y="0"/>
+          <a:chExt cx="0" cy="0"/>
+        </a:xfrm>
+      </p:grpSpPr>
+      <p:sp>
+        <p:nvSpPr>
+          <p:cNvPr id="2" name="Slide Image Placeholder 1"/>
+          <p:cNvSpPr>
+            <a:spLocks noGrp="1" noRot="1" noChangeAspect="1"/>
+          </p:cNvSpPr>
+          <p:nvPr>
+            <p:ph type="sldImg"/>
+          </p:nvPr>
+        </p:nvSpPr>
+        <p:spPr/>
+      </p:sp>
+      <p:sp>
+        <p:nvSpPr>
+          <p:cNvPr id="3" name="Notes Placeholder 2"/>
+          <p:cNvSpPr>
+            <a:spLocks noGrp="1"/>
+          </p:cNvSpPr>
+          <p:nvPr>
+            <p:ph type="body" idx="1"/>
+          </p:nvPr>
+        </p:nvSpPr>
+        <p:spPr/>
+        <p:txBody>
+          <a:bodyPr/>
+          <a:lstStyle/>
+          <a:p>
+            <a:r>
+              <a:rPr lang="pl-PL" dirty="0" smtClean="0"/>
+              <a:t>Pokazac przyklad z eclipse</a:t>
+            </a:r>
+            <a:r>
+              <a:rPr lang="pl-PL" baseline="0" dirty="0" smtClean="0"/>
+              <a:t> editor.</a:t>
+            </a:r>
+            <a:endParaRPr lang="pl-PL" dirty="0"/>
+          </a:p>
+        </p:txBody>
+      </p:sp>
+      <p:sp>
+        <p:nvSpPr>
+          <p:cNvPr id="4" name="Slide Number Placeholder 3"/>
+          <p:cNvSpPr>
+            <a:spLocks noGrp="1"/>
+          </p:cNvSpPr>
+          <p:nvPr>
+            <p:ph type="sldNum" sz="quarter" idx="10"/>
+          </p:nvPr>
+        </p:nvSpPr>
+        <p:spPr/>
+        <p:txBody>
+          <a:bodyPr/>
+          <a:lstStyle/>
+          <a:p>
+            <a:fld id="{7D04F4FF-59B2-4D62-9DC7-1EF3163A6483}" type="slidenum">
+              <a:rPr lang="pl-PL" smtClean="0"/>
+              <a:pPr/>
+              <a:t>13</a:t>
             </a:fld>
             <a:endParaRPr lang="pl-PL"/>
           </a:p>
@@ -2317,7 +2404,7 @@
             <a:fld id="{A1C14688-799C-45A6-846F-47D660935463}" type="datetime1">
               <a:rPr lang="pl-PL" smtClean="0"/>
               <a:pPr/>
-              <a:t>2015-12-07</a:t>
+              <a:t>2015-12-11</a:t>
             </a:fld>
             <a:endParaRPr lang="pl-PL" dirty="0"/>
           </a:p>
@@ -3056,7 +3143,7 @@
             <a:fld id="{A1C14688-799C-45A6-846F-47D660935463}" type="datetime1">
               <a:rPr lang="pl-PL" smtClean="0"/>
               <a:pPr/>
-              <a:t>2015-12-07</a:t>
+              <a:t>2015-12-11</a:t>
             </a:fld>
             <a:endParaRPr lang="pl-PL" dirty="0"/>
           </a:p>
@@ -3363,7 +3450,7 @@
             <a:fld id="{CA444EF8-B926-415D-95F0-FB0651B7AA0D}" type="datetime1">
               <a:rPr lang="pl-PL" smtClean="0"/>
               <a:pPr/>
-              <a:t>2015-12-07</a:t>
+              <a:t>2015-12-11</a:t>
             </a:fld>
             <a:endParaRPr lang="pl-PL" dirty="0"/>
           </a:p>
@@ -3595,7 +3682,7 @@
             <a:fld id="{A1C14688-799C-45A6-846F-47D660935463}" type="datetime1">
               <a:rPr lang="pl-PL" smtClean="0"/>
               <a:pPr/>
-              <a:t>2015-12-07</a:t>
+              <a:t>2015-12-11</a:t>
             </a:fld>
             <a:endParaRPr lang="pl-PL" dirty="0"/>
           </a:p>
@@ -4045,7 +4132,7 @@
             <a:fld id="{A1C14688-799C-45A6-846F-47D660935463}" type="datetime1">
               <a:rPr lang="pl-PL" smtClean="0"/>
               <a:pPr/>
-              <a:t>2015-12-07</a:t>
+              <a:t>2015-12-11</a:t>
             </a:fld>
             <a:endParaRPr lang="pl-PL" dirty="0"/>
           </a:p>
@@ -4401,7 +4488,7 @@
             <a:fld id="{A1C14688-799C-45A6-846F-47D660935463}" type="datetime1">
               <a:rPr lang="pl-PL" smtClean="0"/>
               <a:pPr/>
-              <a:t>2015-12-07</a:t>
+              <a:t>2015-12-11</a:t>
             </a:fld>
             <a:endParaRPr lang="pl-PL" dirty="0"/>
           </a:p>
@@ -4684,7 +4771,7 @@
             <a:fld id="{A1C14688-799C-45A6-846F-47D660935463}" type="datetime1">
               <a:rPr lang="pl-PL" smtClean="0"/>
               <a:pPr/>
-              <a:t>2015-12-07</a:t>
+              <a:t>2015-12-11</a:t>
             </a:fld>
             <a:endParaRPr lang="pl-PL" dirty="0"/>
           </a:p>
@@ -4979,7 +5066,7 @@
             <a:fld id="{A1C14688-799C-45A6-846F-47D660935463}" type="datetime1">
               <a:rPr lang="pl-PL" smtClean="0"/>
               <a:pPr/>
-              <a:t>2015-12-07</a:t>
+              <a:t>2015-12-11</a:t>
             </a:fld>
             <a:endParaRPr lang="pl-PL" dirty="0"/>
           </a:p>
@@ -5350,7 +5437,7 @@
             <a:fld id="{A1C14688-799C-45A6-846F-47D660935463}" type="datetime1">
               <a:rPr lang="pl-PL" smtClean="0"/>
               <a:pPr/>
-              <a:t>2015-12-07</a:t>
+              <a:t>2015-12-11</a:t>
             </a:fld>
             <a:endParaRPr lang="pl-PL" dirty="0"/>
           </a:p>
@@ -5645,7 +5732,7 @@
             <a:fld id="{A1C14688-799C-45A6-846F-47D660935463}" type="datetime1">
               <a:rPr lang="pl-PL" smtClean="0"/>
               <a:pPr/>
-              <a:t>2015-12-07</a:t>
+              <a:t>2015-12-11</a:t>
             </a:fld>
             <a:endParaRPr lang="pl-PL" dirty="0"/>
           </a:p>
@@ -6325,7 +6412,7 @@
             <a:fld id="{A1C14688-799C-45A6-846F-47D660935463}" type="datetime1">
               <a:rPr lang="pl-PL" smtClean="0"/>
               <a:pPr/>
-              <a:t>2015-12-07</a:t>
+              <a:t>2015-12-11</a:t>
             </a:fld>
             <a:endParaRPr lang="pl-PL" dirty="0"/>
           </a:p>
@@ -6767,7 +6854,7 @@
             <a:fld id="{A1C14688-799C-45A6-846F-47D660935463}" type="datetime1">
               <a:rPr lang="pl-PL" smtClean="0"/>
               <a:pPr/>
-              <a:t>2015-12-07</a:t>
+              <a:t>2015-12-11</a:t>
             </a:fld>
             <a:endParaRPr lang="pl-PL" dirty="0"/>
           </a:p>
@@ -6949,7 +7036,7 @@
             <a:fld id="{767CAEAC-D843-4FF2-8657-8264B0202C16}" type="datetime1">
               <a:rPr lang="pl-PL" smtClean="0"/>
               <a:pPr/>
-              <a:t>2015-12-07</a:t>
+              <a:t>2015-12-11</a:t>
             </a:fld>
             <a:endParaRPr lang="pl-PL" dirty="0"/>
           </a:p>
@@ -7483,7 +7570,15 @@
           <a:p>
             <a:r>
               <a:rPr lang="pl-PL" dirty="0" smtClean="0"/>
-              <a:t>EMF – ecore &amp; genmodel</a:t>
+              <a:t>EMF </a:t>
+            </a:r>
+            <a:r>
+              <a:rPr lang="pl-PL" dirty="0"/>
+              <a:t>– Ecore (Meta) </a:t>
+            </a:r>
+            <a:r>
+              <a:rPr lang="pl-PL" dirty="0" smtClean="0"/>
+              <a:t>Model</a:t>
             </a:r>
             <a:endParaRPr lang="pl-PL" dirty="0"/>
           </a:p>
@@ -7501,71 +7596,64 @@
         </p:nvSpPr>
         <p:spPr/>
         <p:txBody>
-          <a:bodyPr/>
+          <a:bodyPr>
+            <a:normAutofit/>
+          </a:bodyPr>
           <a:lstStyle/>
           <a:p>
             <a:r>
+              <a:rPr lang="pl-PL" sz="2400" dirty="0"/>
+              <a:t>model of a model </a:t>
+            </a:r>
+            <a:r>
+              <a:rPr lang="pl-PL" sz="2400" dirty="0" smtClean="0">
+                <a:sym typeface="Wingdings" panose="05000000000000000000" pitchFamily="2" charset="2"/>
+              </a:rPr>
+              <a:t>:</a:t>
+            </a:r>
+            <a:endParaRPr lang="pl-PL" sz="2200" dirty="0" smtClean="0"/>
+          </a:p>
+          <a:p>
+            <a:pPr lvl="1"/>
+            <a:r>
               <a:rPr lang="pl-PL" sz="2200" dirty="0" smtClean="0"/>
-              <a:t>Two files:</a:t>
+              <a:t>EClass</a:t>
             </a:r>
           </a:p>
           <a:p>
             <a:pPr lvl="1"/>
             <a:r>
-              <a:rPr lang="en-US" sz="2200" b="1" dirty="0" err="1" smtClean="0"/>
-              <a:t>ecore</a:t>
-            </a:r>
-            <a:r>
-              <a:rPr lang="en-US" sz="2200" dirty="0" smtClean="0"/>
-              <a:t> </a:t>
-            </a:r>
+              <a:rPr lang="pl-PL" sz="2200" dirty="0"/>
+              <a:t>EStructuralFeature</a:t>
+            </a:r>
+          </a:p>
+          <a:p>
+            <a:pPr lvl="2"/>
             <a:r>
               <a:rPr lang="pl-PL" sz="2200" dirty="0" smtClean="0"/>
-              <a:t>- </a:t>
-            </a:r>
-            <a:r>
-              <a:rPr lang="en-US" sz="2200" dirty="0" smtClean="0"/>
-              <a:t>contains </a:t>
-            </a:r>
-            <a:r>
-              <a:rPr lang="en-US" sz="2200" dirty="0"/>
-              <a:t>the information about the defined </a:t>
-            </a:r>
-            <a:r>
-              <a:rPr lang="en-US" sz="2200" dirty="0" smtClean="0"/>
-              <a:t>classes</a:t>
-            </a:r>
-            <a:endParaRPr lang="pl-PL" sz="2200" dirty="0" smtClean="0"/>
+              <a:t>EAttribute</a:t>
+            </a:r>
+          </a:p>
+          <a:p>
+            <a:pPr lvl="2"/>
+            <a:r>
+              <a:rPr lang="pl-PL" sz="2200" dirty="0" smtClean="0"/>
+              <a:t>EReference</a:t>
+            </a:r>
           </a:p>
           <a:p>
             <a:pPr lvl="1"/>
             <a:r>
-              <a:rPr lang="pl-PL" sz="2200" b="1" dirty="0" smtClean="0"/>
-              <a:t>genmodel</a:t>
-            </a:r>
-            <a:r>
               <a:rPr lang="pl-PL" sz="2200" dirty="0" smtClean="0"/>
-              <a:t> - </a:t>
-            </a:r>
-            <a:r>
-              <a:rPr lang="en-US" sz="2200" dirty="0"/>
-              <a:t>contains </a:t>
-            </a:r>
-            <a:r>
-              <a:rPr lang="en-US" sz="2200" dirty="0" smtClean="0"/>
-              <a:t>information </a:t>
-            </a:r>
-            <a:r>
-              <a:rPr lang="en-US" sz="2200" dirty="0"/>
-              <a:t>for the code generation</a:t>
-            </a:r>
-            <a:endParaRPr lang="pl-PL" sz="2200" dirty="0" smtClean="0"/>
-          </a:p>
-          <a:p>
-            <a:pPr marL="0" indent="0">
-              <a:buNone/>
-            </a:pPr>
-            <a:endParaRPr lang="pl-PL" dirty="0" smtClean="0"/>
+              <a:t>EOperation</a:t>
+            </a:r>
+          </a:p>
+          <a:p>
+            <a:pPr lvl="1"/>
+            <a:r>
+              <a:rPr lang="pl-PL" sz="2200" dirty="0" smtClean="0"/>
+              <a:t>EDataType</a:t>
+            </a:r>
           </a:p>
         </p:txBody>
       </p:sp>
@@ -7639,16 +7727,40 @@
             <a:fld id="{A1C14688-799C-45A6-846F-47D660935463}" type="datetime1">
               <a:rPr lang="pl-PL" smtClean="0"/>
               <a:pPr/>
-              <a:t>2015-12-07</a:t>
+              <a:t>2015-12-11</a:t>
             </a:fld>
             <a:endParaRPr lang="pl-PL" dirty="0"/>
           </a:p>
         </p:txBody>
       </p:sp>
+      <p:pic>
+        <p:nvPicPr>
+          <p:cNvPr id="7" name="Picture 6"/>
+          <p:cNvPicPr>
+            <a:picLocks noChangeAspect="1"/>
+          </p:cNvPicPr>
+          <p:nvPr/>
+        </p:nvPicPr>
+        <p:blipFill>
+          <a:blip r:embed="rId2"/>
+          <a:stretch>
+            <a:fillRect/>
+          </a:stretch>
+        </p:blipFill>
+        <p:spPr>
+          <a:xfrm>
+            <a:off x="4239172" y="1756771"/>
+            <a:ext cx="7096125" cy="2552700"/>
+          </a:xfrm>
+          <a:prstGeom prst="rect">
+            <a:avLst/>
+          </a:prstGeom>
+        </p:spPr>
+      </p:pic>
     </p:spTree>
     <p:extLst>
       <p:ext uri="{BB962C8B-B14F-4D97-AF65-F5344CB8AC3E}">
-        <p14:creationId xmlns:p14="http://schemas.microsoft.com/office/powerpoint/2010/main" val="1695547840"/>
+        <p14:creationId xmlns:p14="http://schemas.microsoft.com/office/powerpoint/2010/main" val="4075416827"/>
       </p:ext>
     </p:extLst>
   </p:cSld>
@@ -7658,7 +7770,328 @@
   <p:timing>
     <p:tnLst>
       <p:par>
-        <p:cTn id="1" dur="indefinite" restart="never" nodeType="tmRoot"/>
+        <p:cTn id="1" dur="indefinite" restart="never" nodeType="tmRoot">
+          <p:childTnLst>
+            <p:seq concurrent="1" nextAc="seek">
+              <p:cTn id="2" dur="indefinite" nodeType="mainSeq">
+                <p:childTnLst>
+                  <p:par>
+                    <p:cTn id="3" fill="hold">
+                      <p:stCondLst>
+                        <p:cond delay="indefinite"/>
+                      </p:stCondLst>
+                      <p:childTnLst>
+                        <p:par>
+                          <p:cTn id="4" fill="hold">
+                            <p:stCondLst>
+                              <p:cond delay="0"/>
+                            </p:stCondLst>
+                            <p:childTnLst>
+                              <p:par>
+                                <p:cTn id="5" presetID="1" presetClass="entr" presetSubtype="0" fill="hold" nodeType="clickEffect">
+                                  <p:stCondLst>
+                                    <p:cond delay="0"/>
+                                  </p:stCondLst>
+                                  <p:childTnLst>
+                                    <p:set>
+                                      <p:cBhvr>
+                                        <p:cTn id="6" dur="1" fill="hold">
+                                          <p:stCondLst>
+                                            <p:cond delay="0"/>
+                                          </p:stCondLst>
+                                        </p:cTn>
+                                        <p:tgtEl>
+                                          <p:spTgt spid="3">
+                                            <p:txEl>
+                                              <p:pRg st="0" end="0"/>
+                                            </p:txEl>
+                                          </p:spTgt>
+                                        </p:tgtEl>
+                                        <p:attrNameLst>
+                                          <p:attrName>style.visibility</p:attrName>
+                                        </p:attrNameLst>
+                                      </p:cBhvr>
+                                      <p:to>
+                                        <p:strVal val="visible"/>
+                                      </p:to>
+                                    </p:set>
+                                  </p:childTnLst>
+                                </p:cTn>
+                              </p:par>
+                            </p:childTnLst>
+                          </p:cTn>
+                        </p:par>
+                      </p:childTnLst>
+                    </p:cTn>
+                  </p:par>
+                  <p:par>
+                    <p:cTn id="7" fill="hold">
+                      <p:stCondLst>
+                        <p:cond delay="indefinite"/>
+                      </p:stCondLst>
+                      <p:childTnLst>
+                        <p:par>
+                          <p:cTn id="8" fill="hold">
+                            <p:stCondLst>
+                              <p:cond delay="0"/>
+                            </p:stCondLst>
+                            <p:childTnLst>
+                              <p:par>
+                                <p:cTn id="9" presetID="1" presetClass="entr" presetSubtype="0" fill="hold" nodeType="clickEffect">
+                                  <p:stCondLst>
+                                    <p:cond delay="0"/>
+                                  </p:stCondLst>
+                                  <p:childTnLst>
+                                    <p:set>
+                                      <p:cBhvr>
+                                        <p:cTn id="10" dur="1" fill="hold">
+                                          <p:stCondLst>
+                                            <p:cond delay="0"/>
+                                          </p:stCondLst>
+                                        </p:cTn>
+                                        <p:tgtEl>
+                                          <p:spTgt spid="3">
+                                            <p:txEl>
+                                              <p:pRg st="1" end="1"/>
+                                            </p:txEl>
+                                          </p:spTgt>
+                                        </p:tgtEl>
+                                        <p:attrNameLst>
+                                          <p:attrName>style.visibility</p:attrName>
+                                        </p:attrNameLst>
+                                      </p:cBhvr>
+                                      <p:to>
+                                        <p:strVal val="visible"/>
+                                      </p:to>
+                                    </p:set>
+                                  </p:childTnLst>
+                                </p:cTn>
+                              </p:par>
+                              <p:par>
+                                <p:cTn id="11" presetID="1" presetClass="entr" presetSubtype="0" fill="hold" nodeType="withEffect">
+                                  <p:stCondLst>
+                                    <p:cond delay="0"/>
+                                  </p:stCondLst>
+                                  <p:childTnLst>
+                                    <p:set>
+                                      <p:cBhvr>
+                                        <p:cTn id="12" dur="1" fill="hold">
+                                          <p:stCondLst>
+                                            <p:cond delay="0"/>
+                                          </p:stCondLst>
+                                        </p:cTn>
+                                        <p:tgtEl>
+                                          <p:spTgt spid="3">
+                                            <p:txEl>
+                                              <p:pRg st="2" end="2"/>
+                                            </p:txEl>
+                                          </p:spTgt>
+                                        </p:tgtEl>
+                                        <p:attrNameLst>
+                                          <p:attrName>style.visibility</p:attrName>
+                                        </p:attrNameLst>
+                                      </p:cBhvr>
+                                      <p:to>
+                                        <p:strVal val="visible"/>
+                                      </p:to>
+                                    </p:set>
+                                  </p:childTnLst>
+                                </p:cTn>
+                              </p:par>
+                              <p:par>
+                                <p:cTn id="13" presetID="1" presetClass="entr" presetSubtype="0" fill="hold" nodeType="withEffect">
+                                  <p:stCondLst>
+                                    <p:cond delay="0"/>
+                                  </p:stCondLst>
+                                  <p:childTnLst>
+                                    <p:set>
+                                      <p:cBhvr>
+                                        <p:cTn id="14" dur="1" fill="hold">
+                                          <p:stCondLst>
+                                            <p:cond delay="0"/>
+                                          </p:stCondLst>
+                                        </p:cTn>
+                                        <p:tgtEl>
+                                          <p:spTgt spid="3">
+                                            <p:txEl>
+                                              <p:pRg st="3" end="3"/>
+                                            </p:txEl>
+                                          </p:spTgt>
+                                        </p:tgtEl>
+                                        <p:attrNameLst>
+                                          <p:attrName>style.visibility</p:attrName>
+                                        </p:attrNameLst>
+                                      </p:cBhvr>
+                                      <p:to>
+                                        <p:strVal val="visible"/>
+                                      </p:to>
+                                    </p:set>
+                                  </p:childTnLst>
+                                </p:cTn>
+                              </p:par>
+                              <p:par>
+                                <p:cTn id="15" presetID="1" presetClass="entr" presetSubtype="0" fill="hold" nodeType="withEffect">
+                                  <p:stCondLst>
+                                    <p:cond delay="0"/>
+                                  </p:stCondLst>
+                                  <p:childTnLst>
+                                    <p:set>
+                                      <p:cBhvr>
+                                        <p:cTn id="16" dur="1" fill="hold">
+                                          <p:stCondLst>
+                                            <p:cond delay="0"/>
+                                          </p:stCondLst>
+                                        </p:cTn>
+                                        <p:tgtEl>
+                                          <p:spTgt spid="3">
+                                            <p:txEl>
+                                              <p:pRg st="4" end="4"/>
+                                            </p:txEl>
+                                          </p:spTgt>
+                                        </p:tgtEl>
+                                        <p:attrNameLst>
+                                          <p:attrName>style.visibility</p:attrName>
+                                        </p:attrNameLst>
+                                      </p:cBhvr>
+                                      <p:to>
+                                        <p:strVal val="visible"/>
+                                      </p:to>
+                                    </p:set>
+                                  </p:childTnLst>
+                                </p:cTn>
+                              </p:par>
+                              <p:par>
+                                <p:cTn id="17" presetID="1" presetClass="entr" presetSubtype="0" fill="hold" nodeType="withEffect">
+                                  <p:stCondLst>
+                                    <p:cond delay="0"/>
+                                  </p:stCondLst>
+                                  <p:childTnLst>
+                                    <p:set>
+                                      <p:cBhvr>
+                                        <p:cTn id="18" dur="1" fill="hold">
+                                          <p:stCondLst>
+                                            <p:cond delay="0"/>
+                                          </p:stCondLst>
+                                        </p:cTn>
+                                        <p:tgtEl>
+                                          <p:spTgt spid="3">
+                                            <p:txEl>
+                                              <p:pRg st="5" end="5"/>
+                                            </p:txEl>
+                                          </p:spTgt>
+                                        </p:tgtEl>
+                                        <p:attrNameLst>
+                                          <p:attrName>style.visibility</p:attrName>
+                                        </p:attrNameLst>
+                                      </p:cBhvr>
+                                      <p:to>
+                                        <p:strVal val="visible"/>
+                                      </p:to>
+                                    </p:set>
+                                  </p:childTnLst>
+                                </p:cTn>
+                              </p:par>
+                              <p:par>
+                                <p:cTn id="19" presetID="1" presetClass="entr" presetSubtype="0" fill="hold" nodeType="withEffect">
+                                  <p:stCondLst>
+                                    <p:cond delay="0"/>
+                                  </p:stCondLst>
+                                  <p:childTnLst>
+                                    <p:set>
+                                      <p:cBhvr>
+                                        <p:cTn id="20" dur="1" fill="hold">
+                                          <p:stCondLst>
+                                            <p:cond delay="0"/>
+                                          </p:stCondLst>
+                                        </p:cTn>
+                                        <p:tgtEl>
+                                          <p:spTgt spid="3">
+                                            <p:txEl>
+                                              <p:pRg st="6" end="6"/>
+                                            </p:txEl>
+                                          </p:spTgt>
+                                        </p:tgtEl>
+                                        <p:attrNameLst>
+                                          <p:attrName>style.visibility</p:attrName>
+                                        </p:attrNameLst>
+                                      </p:cBhvr>
+                                      <p:to>
+                                        <p:strVal val="visible"/>
+                                      </p:to>
+                                    </p:set>
+                                  </p:childTnLst>
+                                </p:cTn>
+                              </p:par>
+                            </p:childTnLst>
+                          </p:cTn>
+                        </p:par>
+                      </p:childTnLst>
+                    </p:cTn>
+                  </p:par>
+                  <p:par>
+                    <p:cTn id="21" fill="hold">
+                      <p:stCondLst>
+                        <p:cond delay="indefinite"/>
+                      </p:stCondLst>
+                      <p:childTnLst>
+                        <p:par>
+                          <p:cTn id="22" fill="hold">
+                            <p:stCondLst>
+                              <p:cond delay="0"/>
+                            </p:stCondLst>
+                            <p:childTnLst>
+                              <p:par>
+                                <p:cTn id="23" presetID="1" presetClass="entr" presetSubtype="0" fill="hold" nodeType="clickEffect">
+                                  <p:stCondLst>
+                                    <p:cond delay="0"/>
+                                  </p:stCondLst>
+                                  <p:childTnLst>
+                                    <p:set>
+                                      <p:cBhvr>
+                                        <p:cTn id="24" dur="1" fill="hold">
+                                          <p:stCondLst>
+                                            <p:cond delay="0"/>
+                                          </p:stCondLst>
+                                        </p:cTn>
+                                        <p:tgtEl>
+                                          <p:spTgt spid="7"/>
+                                        </p:tgtEl>
+                                        <p:attrNameLst>
+                                          <p:attrName>style.visibility</p:attrName>
+                                        </p:attrNameLst>
+                                      </p:cBhvr>
+                                      <p:to>
+                                        <p:strVal val="visible"/>
+                                      </p:to>
+                                    </p:set>
+                                  </p:childTnLst>
+                                </p:cTn>
+                              </p:par>
+                            </p:childTnLst>
+                          </p:cTn>
+                        </p:par>
+                      </p:childTnLst>
+                    </p:cTn>
+                  </p:par>
+                </p:childTnLst>
+              </p:cTn>
+              <p:prevCondLst>
+                <p:cond evt="onPrev" delay="0">
+                  <p:tgtEl>
+                    <p:sldTgt/>
+                  </p:tgtEl>
+                </p:cond>
+              </p:prevCondLst>
+              <p:nextCondLst>
+                <p:cond evt="onNext" delay="0">
+                  <p:tgtEl>
+                    <p:sldTgt/>
+                  </p:tgtEl>
+                </p:cond>
+              </p:nextCondLst>
+            </p:seq>
+          </p:childTnLst>
+        </p:cTn>
       </p:par>
     </p:tnLst>
   </p:timing>
@@ -7699,7 +8132,7 @@
           <a:p>
             <a:r>
               <a:rPr lang="pl-PL" dirty="0" smtClean="0"/>
-              <a:t>Object vs EObject</a:t>
+              <a:t>EMF – ecore &amp; genmodel</a:t>
             </a:r>
             <a:endParaRPr lang="pl-PL" dirty="0"/>
           </a:p>
@@ -7721,23 +8154,59 @@
           <a:lstStyle/>
           <a:p>
             <a:r>
-              <a:rPr lang="en-US" sz="2200" dirty="0" err="1"/>
-              <a:t>EObject</a:t>
+              <a:rPr lang="pl-PL" sz="2200" dirty="0" smtClean="0"/>
+              <a:t>Two files:</a:t>
+            </a:r>
+          </a:p>
+          <a:p>
+            <a:pPr lvl="1"/>
+            <a:r>
+              <a:rPr lang="en-US" sz="2200" b="1" dirty="0" err="1" smtClean="0"/>
+              <a:t>ecore</a:t>
+            </a:r>
+            <a:r>
+              <a:rPr lang="en-US" sz="2200" dirty="0" smtClean="0"/>
+              <a:t> </a:t>
+            </a:r>
+            <a:r>
+              <a:rPr lang="pl-PL" sz="2200" dirty="0" smtClean="0"/>
+              <a:t>- </a:t>
+            </a:r>
+            <a:r>
+              <a:rPr lang="en-US" sz="2200" dirty="0" smtClean="0"/>
+              <a:t>contains </a:t>
             </a:r>
             <a:r>
               <a:rPr lang="en-US" sz="2200" dirty="0"/>
-              <a:t> is the root of all modeled </a:t>
+              <a:t>the information about the defined </a:t>
             </a:r>
             <a:r>
               <a:rPr lang="en-US" sz="2200" dirty="0" smtClean="0"/>
-              <a:t>objects</a:t>
+              <a:t>classes</a:t>
             </a:r>
             <a:endParaRPr lang="pl-PL" sz="2200" dirty="0" smtClean="0"/>
           </a:p>
           <a:p>
+            <a:pPr lvl="1"/>
+            <a:r>
+              <a:rPr lang="pl-PL" sz="2200" b="1" dirty="0" smtClean="0"/>
+              <a:t>genmodel</a:t>
+            </a:r>
+            <a:r>
+              <a:rPr lang="pl-PL" sz="2200" dirty="0" smtClean="0"/>
+              <a:t> - </a:t>
+            </a:r>
             <a:r>
               <a:rPr lang="en-US" sz="2200" dirty="0"/>
-              <a:t>It provides support for the behaviors and features common to all modeled objects: </a:t>
+              <a:t>contains </a:t>
+            </a:r>
+            <a:r>
+              <a:rPr lang="en-US" sz="2200" dirty="0" smtClean="0"/>
+              <a:t>information </a:t>
+            </a:r>
+            <a:r>
+              <a:rPr lang="en-US" sz="2200" dirty="0"/>
+              <a:t>for the code generation</a:t>
             </a:r>
             <a:endParaRPr lang="pl-PL" sz="2200" dirty="0" smtClean="0"/>
           </a:p>
@@ -7819,7 +8288,187 @@
             <a:fld id="{A1C14688-799C-45A6-846F-47D660935463}" type="datetime1">
               <a:rPr lang="pl-PL" smtClean="0"/>
               <a:pPr/>
-              <a:t>2015-12-07</a:t>
+              <a:t>2015-12-11</a:t>
+            </a:fld>
+            <a:endParaRPr lang="pl-PL" dirty="0"/>
+          </a:p>
+        </p:txBody>
+      </p:sp>
+    </p:spTree>
+    <p:extLst>
+      <p:ext uri="{BB962C8B-B14F-4D97-AF65-F5344CB8AC3E}">
+        <p14:creationId xmlns:p14="http://schemas.microsoft.com/office/powerpoint/2010/main" val="1695547840"/>
+      </p:ext>
+    </p:extLst>
+  </p:cSld>
+  <p:clrMapOvr>
+    <a:masterClrMapping/>
+  </p:clrMapOvr>
+  <p:timing>
+    <p:tnLst>
+      <p:par>
+        <p:cTn id="1" dur="indefinite" restart="never" nodeType="tmRoot"/>
+      </p:par>
+    </p:tnLst>
+  </p:timing>
+</p:sld>
+</file>
+
+<file path=ppt/slides/slide12.xml><?xml version="1.0" encoding="utf-8"?>
+<p:sld xmlns:a="http://schemas.openxmlformats.org/drawingml/2006/main" xmlns:r="http://schemas.openxmlformats.org/officeDocument/2006/relationships" xmlns:p="http://schemas.openxmlformats.org/presentationml/2006/main">
+  <p:cSld>
+    <p:spTree>
+      <p:nvGrpSpPr>
+        <p:cNvPr id="1" name=""/>
+        <p:cNvGrpSpPr/>
+        <p:nvPr/>
+      </p:nvGrpSpPr>
+      <p:grpSpPr>
+        <a:xfrm>
+          <a:off x="0" y="0"/>
+          <a:ext cx="0" cy="0"/>
+          <a:chOff x="0" y="0"/>
+          <a:chExt cx="0" cy="0"/>
+        </a:xfrm>
+      </p:grpSpPr>
+      <p:sp>
+        <p:nvSpPr>
+          <p:cNvPr id="2" name="Title 1"/>
+          <p:cNvSpPr>
+            <a:spLocks noGrp="1"/>
+          </p:cNvSpPr>
+          <p:nvPr>
+            <p:ph type="title"/>
+          </p:nvPr>
+        </p:nvSpPr>
+        <p:spPr/>
+        <p:txBody>
+          <a:bodyPr/>
+          <a:lstStyle/>
+          <a:p>
+            <a:r>
+              <a:rPr lang="pl-PL" dirty="0" smtClean="0"/>
+              <a:t>Object vs EObject</a:t>
+            </a:r>
+            <a:endParaRPr lang="pl-PL" dirty="0"/>
+          </a:p>
+        </p:txBody>
+      </p:sp>
+      <p:sp>
+        <p:nvSpPr>
+          <p:cNvPr id="3" name="Text Placeholder 2"/>
+          <p:cNvSpPr>
+            <a:spLocks noGrp="1"/>
+          </p:cNvSpPr>
+          <p:nvPr>
+            <p:ph type="body" sz="quarter" idx="13"/>
+          </p:nvPr>
+        </p:nvSpPr>
+        <p:spPr/>
+        <p:txBody>
+          <a:bodyPr/>
+          <a:lstStyle/>
+          <a:p>
+            <a:r>
+              <a:rPr lang="en-US" sz="2200" dirty="0" err="1"/>
+              <a:t>EObject</a:t>
+            </a:r>
+            <a:r>
+              <a:rPr lang="en-US" sz="2200" dirty="0"/>
+              <a:t> is the root of all modeled </a:t>
+            </a:r>
+            <a:r>
+              <a:rPr lang="en-US" sz="2200" dirty="0" smtClean="0"/>
+              <a:t>objects</a:t>
+            </a:r>
+            <a:endParaRPr lang="pl-PL" sz="2200" dirty="0" smtClean="0"/>
+          </a:p>
+          <a:p>
+            <a:r>
+              <a:rPr lang="en-US" sz="2200" dirty="0"/>
+              <a:t>It provides support for the behaviors and features common to all modeled objects: </a:t>
+            </a:r>
+            <a:endParaRPr lang="pl-PL" sz="2200" dirty="0" smtClean="0"/>
+          </a:p>
+          <a:p>
+            <a:pPr marL="0" indent="0">
+              <a:buNone/>
+            </a:pPr>
+            <a:endParaRPr lang="pl-PL" dirty="0" smtClean="0"/>
+          </a:p>
+        </p:txBody>
+      </p:sp>
+      <p:sp>
+        <p:nvSpPr>
+          <p:cNvPr id="4" name="Footer Placeholder 3"/>
+          <p:cNvSpPr>
+            <a:spLocks noGrp="1"/>
+          </p:cNvSpPr>
+          <p:nvPr>
+            <p:ph type="ftr" sz="quarter" idx="11"/>
+          </p:nvPr>
+        </p:nvSpPr>
+        <p:spPr/>
+        <p:txBody>
+          <a:bodyPr/>
+          <a:lstStyle/>
+          <a:p>
+            <a:r>
+              <a:rPr lang="pl-PL" smtClean="0"/>
+              <a:t>www.rec-global.com</a:t>
+            </a:r>
+            <a:endParaRPr lang="pl-PL" dirty="0">
+              <a:solidFill>
+                <a:schemeClr val="tx1"/>
+              </a:solidFill>
+            </a:endParaRPr>
+          </a:p>
+        </p:txBody>
+      </p:sp>
+      <p:sp>
+        <p:nvSpPr>
+          <p:cNvPr id="5" name="Slide Number Placeholder 4"/>
+          <p:cNvSpPr>
+            <a:spLocks noGrp="1"/>
+          </p:cNvSpPr>
+          <p:nvPr>
+            <p:ph type="sldNum" sz="quarter" idx="12"/>
+          </p:nvPr>
+        </p:nvSpPr>
+        <p:spPr/>
+        <p:txBody>
+          <a:bodyPr/>
+          <a:lstStyle/>
+          <a:p>
+            <a:pPr algn="ctr"/>
+            <a:fld id="{49FFD7C8-786B-42CE-8D79-AFCFE16DD4F2}" type="slidenum">
+              <a:rPr lang="pl-PL" smtClean="0"/>
+              <a:pPr algn="ctr"/>
+              <a:t>12</a:t>
+            </a:fld>
+            <a:endParaRPr lang="pl-PL" dirty="0"/>
+          </a:p>
+        </p:txBody>
+      </p:sp>
+      <p:sp>
+        <p:nvSpPr>
+          <p:cNvPr id="6" name="Date Placeholder 5"/>
+          <p:cNvSpPr>
+            <a:spLocks noGrp="1"/>
+          </p:cNvSpPr>
+          <p:nvPr>
+            <p:ph type="dt" sz="half" idx="10"/>
+          </p:nvPr>
+        </p:nvSpPr>
+        <p:spPr/>
+        <p:txBody>
+          <a:bodyPr/>
+          <a:lstStyle/>
+          <a:p>
+            <a:fld id="{A1C14688-799C-45A6-846F-47D660935463}" type="datetime1">
+              <a:rPr lang="pl-PL" smtClean="0"/>
+              <a:pPr/>
+              <a:t>2015-12-11</a:t>
             </a:fld>
             <a:endParaRPr lang="pl-PL" dirty="0"/>
           </a:p>
@@ -8176,7 +8825,7 @@
 </p:sld>
 </file>
 
-<file path=ppt/slides/slide12.xml><?xml version="1.0" encoding="utf-8"?>
+<file path=ppt/slides/slide13.xml><?xml version="1.0" encoding="utf-8"?>
 <p:sld xmlns:a="http://schemas.openxmlformats.org/drawingml/2006/main" xmlns:r="http://schemas.openxmlformats.org/officeDocument/2006/relationships" xmlns:p="http://schemas.openxmlformats.org/presentationml/2006/main">
   <p:cSld>
     <p:spTree>
@@ -8261,7 +8910,7 @@
             <a:fld id="{49FFD7C8-786B-42CE-8D79-AFCFE16DD4F2}" type="slidenum">
               <a:rPr lang="pl-PL" smtClean="0"/>
               <a:pPr algn="ctr"/>
-              <a:t>12</a:t>
+              <a:t>13</a:t>
             </a:fld>
             <a:endParaRPr lang="pl-PL" dirty="0"/>
           </a:p>
@@ -8285,7 +8934,7 @@
             <a:fld id="{A1C14688-799C-45A6-846F-47D660935463}" type="datetime1">
               <a:rPr lang="pl-PL" smtClean="0"/>
               <a:pPr/>
-              <a:t>2015-12-07</a:t>
+              <a:t>2015-12-11</a:t>
             </a:fld>
             <a:endParaRPr lang="pl-PL" dirty="0"/>
           </a:p>
@@ -8335,7 +8984,7 @@
 </p:sld>
 </file>
 
-<file path=ppt/slides/slide13.xml><?xml version="1.0" encoding="utf-8"?>
+<file path=ppt/slides/slide14.xml><?xml version="1.0" encoding="utf-8"?>
 <p:sld xmlns:a="http://schemas.openxmlformats.org/drawingml/2006/main" xmlns:r="http://schemas.openxmlformats.org/officeDocument/2006/relationships" xmlns:p="http://schemas.openxmlformats.org/presentationml/2006/main">
   <p:cSld>
     <p:spTree>
@@ -8497,7 +9146,7 @@
             <a:fld id="{49FFD7C8-786B-42CE-8D79-AFCFE16DD4F2}" type="slidenum">
               <a:rPr lang="pl-PL" smtClean="0"/>
               <a:pPr algn="ctr"/>
-              <a:t>13</a:t>
+              <a:t>14</a:t>
             </a:fld>
             <a:endParaRPr lang="pl-PL" dirty="0"/>
           </a:p>
@@ -8521,7 +9170,7 @@
             <a:fld id="{A1C14688-799C-45A6-846F-47D660935463}" type="datetime1">
               <a:rPr lang="pl-PL" smtClean="0"/>
               <a:pPr/>
-              <a:t>2015-12-07</a:t>
+              <a:t>2015-12-11</a:t>
             </a:fld>
             <a:endParaRPr lang="pl-PL" dirty="0"/>
           </a:p>
@@ -8547,7 +9196,7 @@
 </p:sld>
 </file>
 
-<file path=ppt/slides/slide14.xml><?xml version="1.0" encoding="utf-8"?>
+<file path=ppt/slides/slide15.xml><?xml version="1.0" encoding="utf-8"?>
 <p:sld xmlns:a="http://schemas.openxmlformats.org/drawingml/2006/main" xmlns:r="http://schemas.openxmlformats.org/officeDocument/2006/relationships" xmlns:p="http://schemas.openxmlformats.org/presentationml/2006/main">
   <p:cSld>
     <p:spTree>
@@ -8797,7 +9446,7 @@
             <a:fld id="{49FFD7C8-786B-42CE-8D79-AFCFE16DD4F2}" type="slidenum">
               <a:rPr lang="pl-PL" smtClean="0"/>
               <a:pPr algn="ctr"/>
-              <a:t>14</a:t>
+              <a:t>15</a:t>
             </a:fld>
             <a:endParaRPr lang="pl-PL" dirty="0"/>
           </a:p>
@@ -8821,7 +9470,7 @@
             <a:fld id="{A1C14688-799C-45A6-846F-47D660935463}" type="datetime1">
               <a:rPr lang="pl-PL" smtClean="0"/>
               <a:pPr/>
-              <a:t>2015-12-07</a:t>
+              <a:t>2015-12-11</a:t>
             </a:fld>
             <a:endParaRPr lang="pl-PL" dirty="0"/>
           </a:p>
@@ -9270,7 +9919,7 @@
 </p:sld>
 </file>
 
-<file path=ppt/slides/slide15.xml><?xml version="1.0" encoding="utf-8"?>
+<file path=ppt/slides/slide16.xml><?xml version="1.0" encoding="utf-8"?>
 <p:sld xmlns:a="http://schemas.openxmlformats.org/drawingml/2006/main" xmlns:r="http://schemas.openxmlformats.org/officeDocument/2006/relationships" xmlns:p="http://schemas.openxmlformats.org/presentationml/2006/main">
   <p:cSld>
     <p:spTree>
@@ -9466,7 +10115,7 @@
             <a:fld id="{49FFD7C8-786B-42CE-8D79-AFCFE16DD4F2}" type="slidenum">
               <a:rPr lang="pl-PL" smtClean="0"/>
               <a:pPr algn="ctr"/>
-              <a:t>15</a:t>
+              <a:t>16</a:t>
             </a:fld>
             <a:endParaRPr lang="pl-PL" dirty="0"/>
           </a:p>
@@ -9490,7 +10139,7 @@
             <a:fld id="{A1C14688-799C-45A6-846F-47D660935463}" type="datetime1">
               <a:rPr lang="pl-PL" smtClean="0"/>
               <a:pPr/>
-              <a:t>2015-12-07</a:t>
+              <a:t>2015-12-11</a:t>
             </a:fld>
             <a:endParaRPr lang="pl-PL" dirty="0"/>
           </a:p>
@@ -9687,7 +10336,6 @@
               <a:rPr lang="pl-PL" sz="2200" dirty="0" smtClean="0"/>
               <a:t>editors</a:t>
             </a:r>
-            <a:endParaRPr lang="pl-PL" sz="2200" dirty="0" smtClean="0"/>
           </a:p>
           <a:p>
             <a:pPr lvl="0">
@@ -9725,7 +10373,7 @@
             <a:fld id="{844BCD22-CA02-4C92-9F05-D5071550F6B3}" type="datetime1">
               <a:rPr lang="pl-PL" smtClean="0"/>
               <a:pPr/>
-              <a:t>2015-12-07</a:t>
+              <a:t>2015-12-11</a:t>
             </a:fld>
             <a:endParaRPr lang="pl-PL" dirty="0"/>
           </a:p>
@@ -9775,112 +10423,13 @@
         </p:nvSpPr>
         <p:spPr/>
         <p:txBody>
-          <a:bodyPr>
-            <a:normAutofit/>
-          </a:bodyPr>
+          <a:bodyPr/>
           <a:lstStyle/>
           <a:p>
-            <a:pPr lvl="0">
-              <a:lnSpc>
-                <a:spcPct val="150000"/>
-              </a:lnSpc>
-            </a:pPr>
             <a:r>
               <a:rPr lang="pl-PL" dirty="0"/>
               <a:t>Model-Driven Development</a:t>
             </a:r>
-          </a:p>
-        </p:txBody>
-      </p:sp>
-      <p:sp>
-        <p:nvSpPr>
-          <p:cNvPr id="3" name="Text Placeholder 2"/>
-          <p:cNvSpPr>
-            <a:spLocks noGrp="1"/>
-          </p:cNvSpPr>
-          <p:nvPr>
-            <p:ph type="body" sz="quarter" idx="13"/>
-          </p:nvPr>
-        </p:nvSpPr>
-        <p:spPr/>
-        <p:txBody>
-          <a:bodyPr>
-            <a:normAutofit/>
-          </a:bodyPr>
-          <a:lstStyle/>
-          <a:p>
-            <a:r>
-              <a:rPr lang="pl-PL" sz="2200" dirty="0" smtClean="0"/>
-              <a:t>Clear visibility</a:t>
-            </a:r>
-          </a:p>
-          <a:p>
-            <a:r>
-              <a:rPr lang="pl-PL" sz="2200" dirty="0"/>
-              <a:t>Flexibility(models can be adjusted</a:t>
-            </a:r>
-            <a:r>
-              <a:rPr lang="pl-PL" sz="2200" dirty="0" smtClean="0"/>
-              <a:t>)</a:t>
-            </a:r>
-          </a:p>
-          <a:p>
-            <a:r>
-              <a:rPr lang="pl-PL" sz="2200" dirty="0" smtClean="0"/>
-              <a:t>Fast </a:t>
-            </a:r>
-            <a:r>
-              <a:rPr lang="pl-PL" sz="2200" dirty="0"/>
-              <a:t>&amp; cost-effective</a:t>
-            </a:r>
-            <a:endParaRPr lang="pl-PL" sz="2200" dirty="0" smtClean="0"/>
-          </a:p>
-          <a:p>
-            <a:r>
-              <a:rPr lang="pl-PL" sz="2200" dirty="0" smtClean="0"/>
-              <a:t>Leads </a:t>
-            </a:r>
-            <a:r>
-              <a:rPr lang="pl-PL" sz="2200" dirty="0"/>
-              <a:t>to increased </a:t>
-            </a:r>
-            <a:r>
-              <a:rPr lang="pl-PL" sz="2200" dirty="0" smtClean="0"/>
-              <a:t>quality</a:t>
-            </a:r>
-          </a:p>
-          <a:p>
-            <a:r>
-              <a:rPr lang="pl-PL" sz="2200" dirty="0" smtClean="0"/>
-              <a:t>Enforces architecture</a:t>
-            </a:r>
-          </a:p>
-          <a:p>
-            <a:r>
-              <a:rPr lang="pl-PL" sz="2200" dirty="0" smtClean="0"/>
-              <a:t>L</a:t>
-            </a:r>
-            <a:r>
-              <a:rPr lang="en-US" sz="2200" dirty="0" smtClean="0"/>
-              <a:t>et</a:t>
-            </a:r>
-            <a:r>
-              <a:rPr lang="pl-PL" sz="2200" dirty="0" smtClean="0"/>
-              <a:t>’</a:t>
-            </a:r>
-            <a:r>
-              <a:rPr lang="en-US" sz="2200" dirty="0" smtClean="0"/>
-              <a:t>s programmers </a:t>
-            </a:r>
-            <a:r>
-              <a:rPr lang="en-US" sz="2200" dirty="0"/>
-              <a:t>focus on the hard </a:t>
-            </a:r>
-            <a:r>
-              <a:rPr lang="en-US" sz="2200" dirty="0" smtClean="0"/>
-              <a:t>stuff</a:t>
-            </a:r>
-            <a:endParaRPr lang="pl-PL" sz="2200" dirty="0" smtClean="0"/>
           </a:p>
         </p:txBody>
       </p:sp>
@@ -9954,7 +10503,333 @@
             <a:fld id="{A1C14688-799C-45A6-846F-47D660935463}" type="datetime1">
               <a:rPr lang="pl-PL" smtClean="0"/>
               <a:pPr/>
-              <a:t>2015-12-07</a:t>
+              <a:t>2015-12-11</a:t>
+            </a:fld>
+            <a:endParaRPr lang="pl-PL" dirty="0"/>
+          </a:p>
+        </p:txBody>
+      </p:sp>
+      <p:pic>
+        <p:nvPicPr>
+          <p:cNvPr id="7" name="Picture 6"/>
+          <p:cNvPicPr>
+            <a:picLocks noChangeAspect="1"/>
+          </p:cNvPicPr>
+          <p:nvPr/>
+        </p:nvPicPr>
+        <p:blipFill>
+          <a:blip r:embed="rId3"/>
+          <a:stretch>
+            <a:fillRect/>
+          </a:stretch>
+        </p:blipFill>
+        <p:spPr>
+          <a:xfrm>
+            <a:off x="3353777" y="1354667"/>
+            <a:ext cx="5474253" cy="4581290"/>
+          </a:xfrm>
+          <a:prstGeom prst="rect">
+            <a:avLst/>
+          </a:prstGeom>
+        </p:spPr>
+      </p:pic>
+    </p:spTree>
+    <p:extLst>
+      <p:ext uri="{BB962C8B-B14F-4D97-AF65-F5344CB8AC3E}">
+        <p14:creationId xmlns:p14="http://schemas.microsoft.com/office/powerpoint/2010/main" val="44117280"/>
+      </p:ext>
+    </p:extLst>
+  </p:cSld>
+  <p:clrMapOvr>
+    <a:masterClrMapping/>
+  </p:clrMapOvr>
+  <p:timing>
+    <p:tnLst>
+      <p:par>
+        <p:cTn id="1" dur="indefinite" restart="never" nodeType="tmRoot">
+          <p:childTnLst>
+            <p:seq concurrent="1" nextAc="seek">
+              <p:cTn id="2" dur="indefinite" nodeType="mainSeq">
+                <p:childTnLst>
+                  <p:par>
+                    <p:cTn id="3" fill="hold">
+                      <p:stCondLst>
+                        <p:cond delay="indefinite"/>
+                      </p:stCondLst>
+                      <p:childTnLst>
+                        <p:par>
+                          <p:cTn id="4" fill="hold">
+                            <p:stCondLst>
+                              <p:cond delay="0"/>
+                            </p:stCondLst>
+                            <p:childTnLst>
+                              <p:par>
+                                <p:cTn id="5" presetID="1" presetClass="entr" presetSubtype="0" fill="hold" nodeType="clickEffect">
+                                  <p:stCondLst>
+                                    <p:cond delay="0"/>
+                                  </p:stCondLst>
+                                  <p:childTnLst>
+                                    <p:set>
+                                      <p:cBhvr>
+                                        <p:cTn id="6" dur="1" fill="hold">
+                                          <p:stCondLst>
+                                            <p:cond delay="0"/>
+                                          </p:stCondLst>
+                                        </p:cTn>
+                                        <p:tgtEl>
+                                          <p:spTgt spid="7"/>
+                                        </p:tgtEl>
+                                        <p:attrNameLst>
+                                          <p:attrName>style.visibility</p:attrName>
+                                        </p:attrNameLst>
+                                      </p:cBhvr>
+                                      <p:to>
+                                        <p:strVal val="visible"/>
+                                      </p:to>
+                                    </p:set>
+                                  </p:childTnLst>
+                                </p:cTn>
+                              </p:par>
+                            </p:childTnLst>
+                          </p:cTn>
+                        </p:par>
+                      </p:childTnLst>
+                    </p:cTn>
+                  </p:par>
+                </p:childTnLst>
+              </p:cTn>
+              <p:prevCondLst>
+                <p:cond evt="onPrev" delay="0">
+                  <p:tgtEl>
+                    <p:sldTgt/>
+                  </p:tgtEl>
+                </p:cond>
+              </p:prevCondLst>
+              <p:nextCondLst>
+                <p:cond evt="onNext" delay="0">
+                  <p:tgtEl>
+                    <p:sldTgt/>
+                  </p:tgtEl>
+                </p:cond>
+              </p:nextCondLst>
+            </p:seq>
+          </p:childTnLst>
+        </p:cTn>
+      </p:par>
+    </p:tnLst>
+  </p:timing>
+</p:sld>
+</file>
+
+<file path=ppt/slides/slide4.xml><?xml version="1.0" encoding="utf-8"?>
+<p:sld xmlns:a="http://schemas.openxmlformats.org/drawingml/2006/main" xmlns:r="http://schemas.openxmlformats.org/officeDocument/2006/relationships" xmlns:p="http://schemas.openxmlformats.org/presentationml/2006/main">
+  <p:cSld>
+    <p:spTree>
+      <p:nvGrpSpPr>
+        <p:cNvPr id="1" name=""/>
+        <p:cNvGrpSpPr/>
+        <p:nvPr/>
+      </p:nvGrpSpPr>
+      <p:grpSpPr>
+        <a:xfrm>
+          <a:off x="0" y="0"/>
+          <a:ext cx="0" cy="0"/>
+          <a:chOff x="0" y="0"/>
+          <a:chExt cx="0" cy="0"/>
+        </a:xfrm>
+      </p:grpSpPr>
+      <p:sp>
+        <p:nvSpPr>
+          <p:cNvPr id="2" name="Title 1"/>
+          <p:cNvSpPr>
+            <a:spLocks noGrp="1"/>
+          </p:cNvSpPr>
+          <p:nvPr>
+            <p:ph type="title"/>
+          </p:nvPr>
+        </p:nvSpPr>
+        <p:spPr/>
+        <p:txBody>
+          <a:bodyPr>
+            <a:normAutofit/>
+          </a:bodyPr>
+          <a:lstStyle/>
+          <a:p>
+            <a:pPr lvl="0">
+              <a:lnSpc>
+                <a:spcPct val="150000"/>
+              </a:lnSpc>
+            </a:pPr>
+            <a:r>
+              <a:rPr lang="pl-PL" dirty="0"/>
+              <a:t>Model-Driven Development</a:t>
+            </a:r>
+          </a:p>
+        </p:txBody>
+      </p:sp>
+      <p:sp>
+        <p:nvSpPr>
+          <p:cNvPr id="3" name="Text Placeholder 2"/>
+          <p:cNvSpPr>
+            <a:spLocks noGrp="1"/>
+          </p:cNvSpPr>
+          <p:nvPr>
+            <p:ph type="body" sz="quarter" idx="13"/>
+          </p:nvPr>
+        </p:nvSpPr>
+        <p:spPr/>
+        <p:txBody>
+          <a:bodyPr>
+            <a:normAutofit/>
+          </a:bodyPr>
+          <a:lstStyle/>
+          <a:p>
+            <a:r>
+              <a:rPr lang="pl-PL" sz="2200" dirty="0" smtClean="0"/>
+              <a:t>Clear visibility</a:t>
+            </a:r>
+          </a:p>
+          <a:p>
+            <a:r>
+              <a:rPr lang="pl-PL" sz="2200" dirty="0"/>
+              <a:t>Flexibility(models can be adjusted</a:t>
+            </a:r>
+            <a:r>
+              <a:rPr lang="pl-PL" sz="2200" dirty="0" smtClean="0"/>
+              <a:t>)</a:t>
+            </a:r>
+          </a:p>
+          <a:p>
+            <a:r>
+              <a:rPr lang="pl-PL" sz="2200" dirty="0" smtClean="0"/>
+              <a:t>Fast </a:t>
+            </a:r>
+            <a:r>
+              <a:rPr lang="pl-PL" sz="2200" dirty="0"/>
+              <a:t>&amp; cost-effective</a:t>
+            </a:r>
+            <a:endParaRPr lang="pl-PL" sz="2200" dirty="0" smtClean="0"/>
+          </a:p>
+          <a:p>
+            <a:r>
+              <a:rPr lang="pl-PL" sz="2200" dirty="0" smtClean="0"/>
+              <a:t>Leads </a:t>
+            </a:r>
+            <a:r>
+              <a:rPr lang="pl-PL" sz="2200" dirty="0"/>
+              <a:t>to increased </a:t>
+            </a:r>
+            <a:r>
+              <a:rPr lang="pl-PL" sz="2200" dirty="0" smtClean="0"/>
+              <a:t>quality</a:t>
+            </a:r>
+          </a:p>
+          <a:p>
+            <a:r>
+              <a:rPr lang="pl-PL" sz="2200" dirty="0" smtClean="0"/>
+              <a:t>Enforces architecture</a:t>
+            </a:r>
+          </a:p>
+          <a:p>
+            <a:r>
+              <a:rPr lang="pl-PL" sz="2200" dirty="0" smtClean="0"/>
+              <a:t>L</a:t>
+            </a:r>
+            <a:r>
+              <a:rPr lang="en-US" sz="2200" dirty="0" smtClean="0"/>
+              <a:t>et</a:t>
+            </a:r>
+            <a:r>
+              <a:rPr lang="pl-PL" sz="2200" dirty="0" smtClean="0"/>
+              <a:t>’</a:t>
+            </a:r>
+            <a:r>
+              <a:rPr lang="en-US" sz="2200" dirty="0" smtClean="0"/>
+              <a:t>s programmers </a:t>
+            </a:r>
+            <a:r>
+              <a:rPr lang="en-US" sz="2200" dirty="0"/>
+              <a:t>focus on the hard </a:t>
+            </a:r>
+            <a:r>
+              <a:rPr lang="en-US" sz="2200" dirty="0" smtClean="0"/>
+              <a:t>stuff</a:t>
+            </a:r>
+            <a:endParaRPr lang="pl-PL" sz="2200" dirty="0" smtClean="0"/>
+          </a:p>
+        </p:txBody>
+      </p:sp>
+      <p:sp>
+        <p:nvSpPr>
+          <p:cNvPr id="4" name="Footer Placeholder 3"/>
+          <p:cNvSpPr>
+            <a:spLocks noGrp="1"/>
+          </p:cNvSpPr>
+          <p:nvPr>
+            <p:ph type="ftr" sz="quarter" idx="11"/>
+          </p:nvPr>
+        </p:nvSpPr>
+        <p:spPr/>
+        <p:txBody>
+          <a:bodyPr/>
+          <a:lstStyle/>
+          <a:p>
+            <a:r>
+              <a:rPr lang="pl-PL" smtClean="0"/>
+              <a:t>www.rec-global.com</a:t>
+            </a:r>
+            <a:endParaRPr lang="pl-PL" dirty="0">
+              <a:solidFill>
+                <a:schemeClr val="tx1"/>
+              </a:solidFill>
+            </a:endParaRPr>
+          </a:p>
+        </p:txBody>
+      </p:sp>
+      <p:sp>
+        <p:nvSpPr>
+          <p:cNvPr id="5" name="Slide Number Placeholder 4"/>
+          <p:cNvSpPr>
+            <a:spLocks noGrp="1"/>
+          </p:cNvSpPr>
+          <p:nvPr>
+            <p:ph type="sldNum" sz="quarter" idx="12"/>
+          </p:nvPr>
+        </p:nvSpPr>
+        <p:spPr/>
+        <p:txBody>
+          <a:bodyPr/>
+          <a:lstStyle/>
+          <a:p>
+            <a:pPr algn="ctr"/>
+            <a:fld id="{49FFD7C8-786B-42CE-8D79-AFCFE16DD4F2}" type="slidenum">
+              <a:rPr lang="pl-PL" smtClean="0"/>
+              <a:pPr algn="ctr"/>
+              <a:t>4</a:t>
+            </a:fld>
+            <a:endParaRPr lang="pl-PL" dirty="0"/>
+          </a:p>
+        </p:txBody>
+      </p:sp>
+      <p:sp>
+        <p:nvSpPr>
+          <p:cNvPr id="6" name="Date Placeholder 5"/>
+          <p:cNvSpPr>
+            <a:spLocks noGrp="1"/>
+          </p:cNvSpPr>
+          <p:nvPr>
+            <p:ph type="dt" sz="half" idx="10"/>
+          </p:nvPr>
+        </p:nvSpPr>
+        <p:spPr/>
+        <p:txBody>
+          <a:bodyPr/>
+          <a:lstStyle/>
+          <a:p>
+            <a:fld id="{A1C14688-799C-45A6-846F-47D660935463}" type="datetime1">
+              <a:rPr lang="pl-PL" smtClean="0"/>
+              <a:pPr/>
+              <a:t>2015-12-11</a:t>
             </a:fld>
             <a:endParaRPr lang="pl-PL" dirty="0"/>
           </a:p>
@@ -10300,7 +11175,7 @@
 </p:sld>
 </file>
 
-<file path=ppt/slides/slide4.xml><?xml version="1.0" encoding="utf-8"?>
+<file path=ppt/slides/slide5.xml><?xml version="1.0" encoding="utf-8"?>
 <p:sld xmlns:a="http://schemas.openxmlformats.org/drawingml/2006/main" xmlns:r="http://schemas.openxmlformats.org/officeDocument/2006/relationships" xmlns:p="http://schemas.openxmlformats.org/presentationml/2006/main">
   <p:cSld>
     <p:spTree>
@@ -10386,7 +11261,7 @@
             <a:fld id="{49FFD7C8-786B-42CE-8D79-AFCFE16DD4F2}" type="slidenum">
               <a:rPr lang="pl-PL" smtClean="0"/>
               <a:pPr algn="ctr"/>
-              <a:t>4</a:t>
+              <a:t>5</a:t>
             </a:fld>
             <a:endParaRPr lang="pl-PL" dirty="0"/>
           </a:p>
@@ -10410,7 +11285,7 @@
             <a:fld id="{A1C14688-799C-45A6-846F-47D660935463}" type="datetime1">
               <a:rPr lang="pl-PL" smtClean="0"/>
               <a:pPr/>
-              <a:t>2015-12-07</a:t>
+              <a:t>2015-12-11</a:t>
             </a:fld>
             <a:endParaRPr lang="pl-PL" dirty="0"/>
           </a:p>
@@ -10891,7 +11766,6 @@
               <a:rPr lang="pl-PL" sz="2200" dirty="0" smtClean="0"/>
               <a:t>Wizards</a:t>
             </a:r>
-            <a:endParaRPr lang="pl-PL" sz="2200" dirty="0" smtClean="0"/>
           </a:p>
           <a:p>
             <a:r>
@@ -10908,14 +11782,12 @@
               <a:rPr lang="pl-PL" sz="2200" dirty="0" smtClean="0"/>
               <a:t>pages</a:t>
             </a:r>
-            <a:endParaRPr lang="pl-PL" sz="2200" dirty="0" smtClean="0"/>
           </a:p>
           <a:p>
             <a:r>
               <a:rPr lang="pl-PL" sz="2200" dirty="0" smtClean="0"/>
               <a:t>and much more...</a:t>
             </a:r>
-            <a:endParaRPr lang="pl-PL" sz="2200" dirty="0" smtClean="0"/>
           </a:p>
         </p:txBody>
       </p:sp>
@@ -11398,7 +12270,7 @@
 </p:sld>
 </file>
 
-<file path=ppt/slides/slide5.xml><?xml version="1.0" encoding="utf-8"?>
+<file path=ppt/slides/slide6.xml><?xml version="1.0" encoding="utf-8"?>
 <p:sld xmlns:a="http://schemas.openxmlformats.org/drawingml/2006/main" xmlns:r="http://schemas.openxmlformats.org/officeDocument/2006/relationships" xmlns:p="http://schemas.openxmlformats.org/presentationml/2006/main">
   <p:cSld>
     <p:spTree>
@@ -11475,11 +12347,7 @@
           <a:p>
             <a:r>
               <a:rPr lang="pl-PL" sz="2200" dirty="0" smtClean="0"/>
-              <a:t>Modeling </a:t>
-            </a:r>
-            <a:r>
-              <a:rPr lang="pl-PL" sz="2200" dirty="0" smtClean="0"/>
-              <a:t>framework</a:t>
+              <a:t>Modeling framework</a:t>
             </a:r>
           </a:p>
           <a:p>
@@ -11574,7 +12442,7 @@
             <a:fld id="{49FFD7C8-786B-42CE-8D79-AFCFE16DD4F2}" type="slidenum">
               <a:rPr lang="pl-PL" smtClean="0"/>
               <a:pPr algn="ctr"/>
-              <a:t>5</a:t>
+              <a:t>6</a:t>
             </a:fld>
             <a:endParaRPr lang="pl-PL" dirty="0"/>
           </a:p>
@@ -11598,7 +12466,7 @@
             <a:fld id="{A1C14688-799C-45A6-846F-47D660935463}" type="datetime1">
               <a:rPr lang="pl-PL" smtClean="0"/>
               <a:pPr/>
-              <a:t>2015-12-07</a:t>
+              <a:t>2015-12-11</a:t>
             </a:fld>
             <a:endParaRPr lang="pl-PL" dirty="0"/>
           </a:p>
@@ -11915,7 +12783,7 @@
 </p:sld>
 </file>
 
-<file path=ppt/slides/slide6.xml><?xml version="1.0" encoding="utf-8"?>
+<file path=ppt/slides/slide7.xml><?xml version="1.0" encoding="utf-8"?>
 <p:sld xmlns:a="http://schemas.openxmlformats.org/drawingml/2006/main" xmlns:r="http://schemas.openxmlformats.org/officeDocument/2006/relationships" xmlns:p="http://schemas.openxmlformats.org/presentationml/2006/main">
   <p:cSld>
     <p:spTree>
@@ -12067,7 +12935,7 @@
             <a:fld id="{49FFD7C8-786B-42CE-8D79-AFCFE16DD4F2}" type="slidenum">
               <a:rPr lang="pl-PL" smtClean="0"/>
               <a:pPr algn="ctr"/>
-              <a:t>6</a:t>
+              <a:t>7</a:t>
             </a:fld>
             <a:endParaRPr lang="pl-PL" dirty="0"/>
           </a:p>
@@ -12091,7 +12959,7 @@
             <a:fld id="{A1C14688-799C-45A6-846F-47D660935463}" type="datetime1">
               <a:rPr lang="pl-PL" smtClean="0"/>
               <a:pPr/>
-              <a:t>2015-12-07</a:t>
+              <a:t>2015-12-11</a:t>
             </a:fld>
             <a:endParaRPr lang="pl-PL" dirty="0"/>
           </a:p>
@@ -12351,207 +13219,6 @@
 </p:sld>
 </file>
 
-<file path=ppt/slides/slide7.xml><?xml version="1.0" encoding="utf-8"?>
-<p:sld xmlns:a="http://schemas.openxmlformats.org/drawingml/2006/main" xmlns:r="http://schemas.openxmlformats.org/officeDocument/2006/relationships" xmlns:p="http://schemas.openxmlformats.org/presentationml/2006/main">
-  <p:cSld>
-    <p:spTree>
-      <p:nvGrpSpPr>
-        <p:cNvPr id="1" name=""/>
-        <p:cNvGrpSpPr/>
-        <p:nvPr/>
-      </p:nvGrpSpPr>
-      <p:grpSpPr>
-        <a:xfrm>
-          <a:off x="0" y="0"/>
-          <a:ext cx="0" cy="0"/>
-          <a:chOff x="0" y="0"/>
-          <a:chExt cx="0" cy="0"/>
-        </a:xfrm>
-      </p:grpSpPr>
-      <p:sp>
-        <p:nvSpPr>
-          <p:cNvPr id="2" name="Title 1"/>
-          <p:cNvSpPr>
-            <a:spLocks noGrp="1"/>
-          </p:cNvSpPr>
-          <p:nvPr>
-            <p:ph type="title"/>
-          </p:nvPr>
-        </p:nvSpPr>
-        <p:spPr/>
-        <p:txBody>
-          <a:bodyPr/>
-          <a:lstStyle/>
-          <a:p>
-            <a:r>
-              <a:rPr lang="pl-PL" dirty="0"/>
-              <a:t>EMF demo - </a:t>
-            </a:r>
-            <a:r>
-              <a:rPr lang="pl-PL" dirty="0" smtClean="0"/>
-              <a:t>editors</a:t>
-            </a:r>
-            <a:endParaRPr lang="pl-PL" dirty="0"/>
-          </a:p>
-        </p:txBody>
-      </p:sp>
-      <p:sp>
-        <p:nvSpPr>
-          <p:cNvPr id="3" name="Text Placeholder 2"/>
-          <p:cNvSpPr>
-            <a:spLocks noGrp="1"/>
-          </p:cNvSpPr>
-          <p:nvPr>
-            <p:ph type="body" sz="quarter" idx="13"/>
-          </p:nvPr>
-        </p:nvSpPr>
-        <p:spPr/>
-        <p:txBody>
-          <a:bodyPr/>
-          <a:lstStyle/>
-          <a:p>
-            <a:r>
-              <a:rPr lang="pl-PL" dirty="0" smtClean="0"/>
-              <a:t>Eclipse editor for EMF models</a:t>
-            </a:r>
-          </a:p>
-          <a:p>
-            <a:r>
-              <a:rPr lang="pl-PL" dirty="0" smtClean="0"/>
-              <a:t>EMF Forms  - Eclipse E4 editor (JavaFX, </a:t>
-            </a:r>
-            <a:r>
-              <a:rPr lang="pl-PL" dirty="0" smtClean="0">
-                <a:solidFill>
-                  <a:srgbClr val="FF0000"/>
-                </a:solidFill>
-              </a:rPr>
-              <a:t>SWT</a:t>
-            </a:r>
-            <a:r>
-              <a:rPr lang="pl-PL" dirty="0" smtClean="0"/>
-              <a:t>)</a:t>
-            </a:r>
-          </a:p>
-          <a:p>
-            <a:r>
-              <a:rPr lang="pl-PL" dirty="0" smtClean="0"/>
-              <a:t>EMF </a:t>
-            </a:r>
-            <a:r>
-              <a:rPr lang="pl-PL" dirty="0"/>
-              <a:t>Forms </a:t>
-            </a:r>
-            <a:r>
-              <a:rPr lang="pl-PL" dirty="0" smtClean="0"/>
-              <a:t>– RAP editor</a:t>
-            </a:r>
-          </a:p>
-          <a:p>
-            <a:r>
-              <a:rPr lang="pl-PL" dirty="0" smtClean="0"/>
-              <a:t>Sirius</a:t>
-            </a:r>
-            <a:endParaRPr lang="pl-PL" dirty="0"/>
-          </a:p>
-        </p:txBody>
-      </p:sp>
-      <p:sp>
-        <p:nvSpPr>
-          <p:cNvPr id="4" name="Footer Placeholder 3"/>
-          <p:cNvSpPr>
-            <a:spLocks noGrp="1"/>
-          </p:cNvSpPr>
-          <p:nvPr>
-            <p:ph type="ftr" sz="quarter" idx="11"/>
-          </p:nvPr>
-        </p:nvSpPr>
-        <p:spPr/>
-        <p:txBody>
-          <a:bodyPr/>
-          <a:lstStyle/>
-          <a:p>
-            <a:r>
-              <a:rPr lang="pl-PL" smtClean="0"/>
-              <a:t>www.rec-global.com</a:t>
-            </a:r>
-            <a:endParaRPr lang="pl-PL" dirty="0">
-              <a:solidFill>
-                <a:schemeClr val="tx1"/>
-              </a:solidFill>
-            </a:endParaRPr>
-          </a:p>
-        </p:txBody>
-      </p:sp>
-      <p:sp>
-        <p:nvSpPr>
-          <p:cNvPr id="5" name="Slide Number Placeholder 4"/>
-          <p:cNvSpPr>
-            <a:spLocks noGrp="1"/>
-          </p:cNvSpPr>
-          <p:nvPr>
-            <p:ph type="sldNum" sz="quarter" idx="12"/>
-          </p:nvPr>
-        </p:nvSpPr>
-        <p:spPr/>
-        <p:txBody>
-          <a:bodyPr/>
-          <a:lstStyle/>
-          <a:p>
-            <a:pPr algn="ctr"/>
-            <a:fld id="{49FFD7C8-786B-42CE-8D79-AFCFE16DD4F2}" type="slidenum">
-              <a:rPr lang="pl-PL" smtClean="0"/>
-              <a:pPr algn="ctr"/>
-              <a:t>7</a:t>
-            </a:fld>
-            <a:endParaRPr lang="pl-PL" dirty="0"/>
-          </a:p>
-        </p:txBody>
-      </p:sp>
-      <p:sp>
-        <p:nvSpPr>
-          <p:cNvPr id="6" name="Date Placeholder 5"/>
-          <p:cNvSpPr>
-            <a:spLocks noGrp="1"/>
-          </p:cNvSpPr>
-          <p:nvPr>
-            <p:ph type="dt" sz="half" idx="10"/>
-          </p:nvPr>
-        </p:nvSpPr>
-        <p:spPr/>
-        <p:txBody>
-          <a:bodyPr/>
-          <a:lstStyle/>
-          <a:p>
-            <a:fld id="{A1C14688-799C-45A6-846F-47D660935463}" type="datetime1">
-              <a:rPr lang="pl-PL" smtClean="0"/>
-              <a:pPr/>
-              <a:t>2015-12-07</a:t>
-            </a:fld>
-            <a:endParaRPr lang="pl-PL" dirty="0"/>
-          </a:p>
-        </p:txBody>
-      </p:sp>
-    </p:spTree>
-    <p:extLst>
-      <p:ext uri="{BB962C8B-B14F-4D97-AF65-F5344CB8AC3E}">
-        <p14:creationId xmlns:p14="http://schemas.microsoft.com/office/powerpoint/2010/main" val="4100803127"/>
-      </p:ext>
-    </p:extLst>
-  </p:cSld>
-  <p:clrMapOvr>
-    <a:masterClrMapping/>
-  </p:clrMapOvr>
-  <p:timing>
-    <p:tnLst>
-      <p:par>
-        <p:cTn id="1" dur="indefinite" restart="never" nodeType="tmRoot"/>
-      </p:par>
-    </p:tnLst>
-  </p:timing>
-</p:sld>
-</file>
-
 <file path=ppt/slides/slide8.xml><?xml version="1.0" encoding="utf-8"?>
 <p:sld xmlns:a="http://schemas.openxmlformats.org/drawingml/2006/main" xmlns:r="http://schemas.openxmlformats.org/officeDocument/2006/relationships" xmlns:p="http://schemas.openxmlformats.org/presentationml/2006/main">
   <p:cSld>
@@ -12581,73 +13248,79 @@
         </p:nvSpPr>
         <p:spPr/>
         <p:txBody>
-          <a:bodyPr>
-            <a:normAutofit fontScale="90000"/>
-          </a:bodyPr>
-          <a:lstStyle/>
-          <a:p>
-            <a:pPr lvl="0"/>
-            <a:r>
-              <a:rPr lang="pl-PL" dirty="0"/>
-              <a:t/>
-            </a:r>
-            <a:br>
-              <a:rPr lang="pl-PL" dirty="0"/>
-            </a:br>
-            <a:endParaRPr lang="pl-PL" dirty="0"/>
-          </a:p>
-        </p:txBody>
-      </p:sp>
-      <p:sp>
-        <p:nvSpPr>
-          <p:cNvPr id="3" name="Text Placeholder 2"/>
-          <p:cNvSpPr>
-            <a:spLocks noGrp="1"/>
-          </p:cNvSpPr>
-          <p:nvPr>
-            <p:ph type="body" sz="quarter" idx="13"/>
-          </p:nvPr>
-        </p:nvSpPr>
-        <p:spPr/>
-        <p:txBody>
           <a:bodyPr/>
           <a:lstStyle/>
           <a:p>
-            <a:pPr marL="0" indent="0" algn="ctr">
-              <a:buNone/>
-            </a:pPr>
-            <a:endParaRPr lang="pl-PL" dirty="0" smtClean="0"/>
-          </a:p>
-          <a:p>
-            <a:pPr marL="0" indent="0" algn="ctr">
-              <a:buNone/>
-            </a:pPr>
+            <a:r>
+              <a:rPr lang="pl-PL" dirty="0"/>
+              <a:t>EMF demo - </a:t>
+            </a:r>
+            <a:r>
+              <a:rPr lang="pl-PL" dirty="0" smtClean="0"/>
+              <a:t>editors</a:t>
+            </a:r>
             <a:endParaRPr lang="pl-PL" dirty="0"/>
           </a:p>
-          <a:p>
-            <a:pPr marL="0" indent="0" algn="ctr">
-              <a:buNone/>
-            </a:pPr>
-            <a:endParaRPr lang="pl-PL" dirty="0" smtClean="0"/>
-          </a:p>
-          <a:p>
-            <a:pPr marL="0" indent="0" algn="ctr">
-              <a:buNone/>
-            </a:pPr>
+        </p:txBody>
+      </p:sp>
+      <p:sp>
+        <p:nvSpPr>
+          <p:cNvPr id="3" name="Text Placeholder 2"/>
+          <p:cNvSpPr>
+            <a:spLocks noGrp="1"/>
+          </p:cNvSpPr>
+          <p:nvPr>
+            <p:ph type="body" sz="quarter" idx="13"/>
+          </p:nvPr>
+        </p:nvSpPr>
+        <p:spPr/>
+        <p:txBody>
+          <a:bodyPr/>
+          <a:lstStyle/>
+          <a:p>
+            <a:r>
+              <a:rPr lang="pl-PL" dirty="0" smtClean="0"/>
+              <a:t>Eclipse editor for EMF models</a:t>
+            </a:r>
+          </a:p>
+          <a:p>
+            <a:r>
+              <a:rPr lang="pl-PL" dirty="0" smtClean="0"/>
+              <a:t>EMF Forms  - Eclipse E4 editor (JavaFX, </a:t>
+            </a:r>
+            <a:r>
+              <a:rPr lang="pl-PL" dirty="0" smtClean="0">
+                <a:solidFill>
+                  <a:srgbClr val="FF0000"/>
+                </a:solidFill>
+              </a:rPr>
+              <a:t>SWT</a:t>
+            </a:r>
+            <a:r>
+              <a:rPr lang="pl-PL" dirty="0" smtClean="0"/>
+              <a:t>)</a:t>
+            </a:r>
+          </a:p>
+          <a:p>
+            <a:r>
+              <a:rPr lang="pl-PL" dirty="0" smtClean="0"/>
+              <a:t>EMF </a:t>
+            </a:r>
+            <a:r>
+              <a:rPr lang="pl-PL" dirty="0"/>
+              <a:t>Forms </a:t>
+            </a:r>
+            <a:r>
+              <a:rPr lang="pl-PL" dirty="0" smtClean="0"/>
+              <a:t>– RAP editor</a:t>
+            </a:r>
+          </a:p>
+          <a:p>
+            <a:r>
+              <a:rPr lang="pl-PL" dirty="0" smtClean="0"/>
+              <a:t>Sirius</a:t>
+            </a:r>
             <a:endParaRPr lang="pl-PL" dirty="0"/>
-          </a:p>
-          <a:p>
-            <a:pPr marL="0" indent="0" algn="ctr">
-              <a:buNone/>
-            </a:pPr>
-            <a:r>
-              <a:rPr lang="pl-PL" sz="6000" dirty="0" smtClean="0"/>
-              <a:t>Deep </a:t>
-            </a:r>
-            <a:r>
-              <a:rPr lang="pl-PL" sz="6000" dirty="0"/>
-              <a:t>dive into EMF...</a:t>
-            </a:r>
           </a:p>
         </p:txBody>
       </p:sp>
@@ -12721,7 +13394,7 @@
             <a:fld id="{A1C14688-799C-45A6-846F-47D660935463}" type="datetime1">
               <a:rPr lang="pl-PL" smtClean="0"/>
               <a:pPr/>
-              <a:t>2015-12-07</a:t>
+              <a:t>2015-12-11</a:t>
             </a:fld>
             <a:endParaRPr lang="pl-PL" dirty="0"/>
           </a:p>
@@ -12730,7 +13403,7 @@
     </p:spTree>
     <p:extLst>
       <p:ext uri="{BB962C8B-B14F-4D97-AF65-F5344CB8AC3E}">
-        <p14:creationId xmlns:p14="http://schemas.microsoft.com/office/powerpoint/2010/main" val="3260720943"/>
+        <p14:creationId xmlns:p14="http://schemas.microsoft.com/office/powerpoint/2010/main" val="4100803127"/>
       </p:ext>
     </p:extLst>
   </p:cSld>
@@ -12776,94 +13449,72 @@
         </p:nvSpPr>
         <p:spPr/>
         <p:txBody>
+          <a:bodyPr>
+            <a:normAutofit fontScale="90000"/>
+          </a:bodyPr>
+          <a:lstStyle/>
+          <a:p>
+            <a:pPr lvl="0"/>
+            <a:r>
+              <a:rPr lang="pl-PL" dirty="0"/>
+              <a:t/>
+            </a:r>
+            <a:br>
+              <a:rPr lang="pl-PL" dirty="0"/>
+            </a:br>
+            <a:endParaRPr lang="pl-PL" dirty="0"/>
+          </a:p>
+        </p:txBody>
+      </p:sp>
+      <p:sp>
+        <p:nvSpPr>
+          <p:cNvPr id="3" name="Text Placeholder 2"/>
+          <p:cNvSpPr>
+            <a:spLocks noGrp="1"/>
+          </p:cNvSpPr>
+          <p:nvPr>
+            <p:ph type="body" sz="quarter" idx="13"/>
+          </p:nvPr>
+        </p:nvSpPr>
+        <p:spPr/>
+        <p:txBody>
           <a:bodyPr/>
           <a:lstStyle/>
           <a:p>
-            <a:r>
-              <a:rPr lang="pl-PL" dirty="0" smtClean="0"/>
-              <a:t>EMF </a:t>
-            </a:r>
-            <a:r>
-              <a:rPr lang="pl-PL" dirty="0"/>
-              <a:t>– Ecore (Meta) </a:t>
-            </a:r>
-            <a:r>
-              <a:rPr lang="pl-PL" dirty="0" smtClean="0"/>
-              <a:t>Model</a:t>
-            </a:r>
+            <a:pPr marL="0" indent="0" algn="ctr">
+              <a:buNone/>
+            </a:pPr>
+            <a:endParaRPr lang="pl-PL" dirty="0" smtClean="0"/>
+          </a:p>
+          <a:p>
+            <a:pPr marL="0" indent="0" algn="ctr">
+              <a:buNone/>
+            </a:pPr>
             <a:endParaRPr lang="pl-PL" dirty="0"/>
           </a:p>
-        </p:txBody>
-      </p:sp>
-      <p:sp>
-        <p:nvSpPr>
-          <p:cNvPr id="3" name="Text Placeholder 2"/>
-          <p:cNvSpPr>
-            <a:spLocks noGrp="1"/>
-          </p:cNvSpPr>
-          <p:nvPr>
-            <p:ph type="body" sz="quarter" idx="13"/>
-          </p:nvPr>
-        </p:nvSpPr>
-        <p:spPr/>
-        <p:txBody>
-          <a:bodyPr>
-            <a:normAutofit/>
-          </a:bodyPr>
-          <a:lstStyle/>
-          <a:p>
-            <a:r>
-              <a:rPr lang="pl-PL" sz="2400" dirty="0"/>
-              <a:t>model of a model </a:t>
-            </a:r>
-            <a:r>
-              <a:rPr lang="pl-PL" sz="2400" dirty="0" smtClean="0">
-                <a:sym typeface="Wingdings" panose="05000000000000000000" pitchFamily="2" charset="2"/>
-              </a:rPr>
-              <a:t>:</a:t>
-            </a:r>
-            <a:endParaRPr lang="pl-PL" sz="2200" dirty="0" smtClean="0"/>
-          </a:p>
-          <a:p>
-            <a:pPr lvl="1"/>
-            <a:r>
-              <a:rPr lang="pl-PL" sz="2200" dirty="0" smtClean="0"/>
-              <a:t>EClass</a:t>
-            </a:r>
-          </a:p>
-          <a:p>
-            <a:pPr lvl="1"/>
-            <a:r>
-              <a:rPr lang="pl-PL" sz="2200" dirty="0"/>
-              <a:t>EStructuralFeature</a:t>
-            </a:r>
-          </a:p>
-          <a:p>
-            <a:pPr lvl="2"/>
-            <a:r>
-              <a:rPr lang="pl-PL" sz="2200" dirty="0" smtClean="0"/>
-              <a:t>EAttribute</a:t>
-            </a:r>
-          </a:p>
-          <a:p>
-            <a:pPr lvl="2"/>
-            <a:r>
-              <a:rPr lang="pl-PL" sz="2200" dirty="0" smtClean="0"/>
-              <a:t>EReference</a:t>
-            </a:r>
-          </a:p>
-          <a:p>
-            <a:pPr lvl="1"/>
-            <a:r>
-              <a:rPr lang="pl-PL" sz="2200" dirty="0" smtClean="0"/>
-              <a:t>EOperation</a:t>
-            </a:r>
-          </a:p>
-          <a:p>
-            <a:pPr lvl="1"/>
-            <a:r>
-              <a:rPr lang="pl-PL" sz="2200" dirty="0" smtClean="0"/>
-              <a:t>EDataType</a:t>
+          <a:p>
+            <a:pPr marL="0" indent="0" algn="ctr">
+              <a:buNone/>
+            </a:pPr>
+            <a:endParaRPr lang="pl-PL" dirty="0" smtClean="0"/>
+          </a:p>
+          <a:p>
+            <a:pPr marL="0" indent="0" algn="ctr">
+              <a:buNone/>
+            </a:pPr>
+            <a:endParaRPr lang="pl-PL" dirty="0"/>
+          </a:p>
+          <a:p>
+            <a:pPr marL="0" indent="0" algn="ctr">
+              <a:buNone/>
+            </a:pPr>
+            <a:r>
+              <a:rPr lang="pl-PL" sz="6000" dirty="0" smtClean="0"/>
+              <a:t>Deep </a:t>
+            </a:r>
+            <a:r>
+              <a:rPr lang="pl-PL" sz="6000" dirty="0"/>
+              <a:t>dive into EMF...</a:t>
             </a:r>
           </a:p>
         </p:txBody>
@@ -12938,40 +13589,16 @@
             <a:fld id="{A1C14688-799C-45A6-846F-47D660935463}" type="datetime1">
               <a:rPr lang="pl-PL" smtClean="0"/>
               <a:pPr/>
-              <a:t>2015-12-07</a:t>
+              <a:t>2015-12-11</a:t>
             </a:fld>
             <a:endParaRPr lang="pl-PL" dirty="0"/>
           </a:p>
         </p:txBody>
       </p:sp>
-      <p:pic>
-        <p:nvPicPr>
-          <p:cNvPr id="7" name="Picture 6"/>
-          <p:cNvPicPr>
-            <a:picLocks noChangeAspect="1"/>
-          </p:cNvPicPr>
-          <p:nvPr/>
-        </p:nvPicPr>
-        <p:blipFill>
-          <a:blip r:embed="rId2"/>
-          <a:stretch>
-            <a:fillRect/>
-          </a:stretch>
-        </p:blipFill>
-        <p:spPr>
-          <a:xfrm>
-            <a:off x="4239172" y="1756771"/>
-            <a:ext cx="7096125" cy="2552700"/>
-          </a:xfrm>
-          <a:prstGeom prst="rect">
-            <a:avLst/>
-          </a:prstGeom>
-        </p:spPr>
-      </p:pic>
     </p:spTree>
     <p:extLst>
       <p:ext uri="{BB962C8B-B14F-4D97-AF65-F5344CB8AC3E}">
-        <p14:creationId xmlns:p14="http://schemas.microsoft.com/office/powerpoint/2010/main" val="4075416827"/>
+        <p14:creationId xmlns:p14="http://schemas.microsoft.com/office/powerpoint/2010/main" val="3260720943"/>
       </p:ext>
     </p:extLst>
   </p:cSld>
@@ -12981,328 +13608,7 @@
   <p:timing>
     <p:tnLst>
       <p:par>
-        <p:cTn id="1" dur="indefinite" restart="never" nodeType="tmRoot">
-          <p:childTnLst>
-            <p:seq concurrent="1" nextAc="seek">
-              <p:cTn id="2" dur="indefinite" nodeType="mainSeq">
-                <p:childTnLst>
-                  <p:par>
-                    <p:cTn id="3" fill="hold">
-                      <p:stCondLst>
-                        <p:cond delay="indefinite"/>
-                      </p:stCondLst>
-                      <p:childTnLst>
-                        <p:par>
-                          <p:cTn id="4" fill="hold">
-                            <p:stCondLst>
-                              <p:cond delay="0"/>
-                            </p:stCondLst>
-                            <p:childTnLst>
-                              <p:par>
-                                <p:cTn id="5" presetID="1" presetClass="entr" presetSubtype="0" fill="hold" nodeType="clickEffect">
-                                  <p:stCondLst>
-                                    <p:cond delay="0"/>
-                                  </p:stCondLst>
-                                  <p:childTnLst>
-                                    <p:set>
-                                      <p:cBhvr>
-                                        <p:cTn id="6" dur="1" fill="hold">
-                                          <p:stCondLst>
-                                            <p:cond delay="0"/>
-                                          </p:stCondLst>
-                                        </p:cTn>
-                                        <p:tgtEl>
-                                          <p:spTgt spid="3">
-                                            <p:txEl>
-                                              <p:pRg st="0" end="0"/>
-                                            </p:txEl>
-                                          </p:spTgt>
-                                        </p:tgtEl>
-                                        <p:attrNameLst>
-                                          <p:attrName>style.visibility</p:attrName>
-                                        </p:attrNameLst>
-                                      </p:cBhvr>
-                                      <p:to>
-                                        <p:strVal val="visible"/>
-                                      </p:to>
-                                    </p:set>
-                                  </p:childTnLst>
-                                </p:cTn>
-                              </p:par>
-                            </p:childTnLst>
-                          </p:cTn>
-                        </p:par>
-                      </p:childTnLst>
-                    </p:cTn>
-                  </p:par>
-                  <p:par>
-                    <p:cTn id="7" fill="hold">
-                      <p:stCondLst>
-                        <p:cond delay="indefinite"/>
-                      </p:stCondLst>
-                      <p:childTnLst>
-                        <p:par>
-                          <p:cTn id="8" fill="hold">
-                            <p:stCondLst>
-                              <p:cond delay="0"/>
-                            </p:stCondLst>
-                            <p:childTnLst>
-                              <p:par>
-                                <p:cTn id="9" presetID="1" presetClass="entr" presetSubtype="0" fill="hold" nodeType="clickEffect">
-                                  <p:stCondLst>
-                                    <p:cond delay="0"/>
-                                  </p:stCondLst>
-                                  <p:childTnLst>
-                                    <p:set>
-                                      <p:cBhvr>
-                                        <p:cTn id="10" dur="1" fill="hold">
-                                          <p:stCondLst>
-                                            <p:cond delay="0"/>
-                                          </p:stCondLst>
-                                        </p:cTn>
-                                        <p:tgtEl>
-                                          <p:spTgt spid="3">
-                                            <p:txEl>
-                                              <p:pRg st="1" end="1"/>
-                                            </p:txEl>
-                                          </p:spTgt>
-                                        </p:tgtEl>
-                                        <p:attrNameLst>
-                                          <p:attrName>style.visibility</p:attrName>
-                                        </p:attrNameLst>
-                                      </p:cBhvr>
-                                      <p:to>
-                                        <p:strVal val="visible"/>
-                                      </p:to>
-                                    </p:set>
-                                  </p:childTnLst>
-                                </p:cTn>
-                              </p:par>
-                              <p:par>
-                                <p:cTn id="11" presetID="1" presetClass="entr" presetSubtype="0" fill="hold" nodeType="withEffect">
-                                  <p:stCondLst>
-                                    <p:cond delay="0"/>
-                                  </p:stCondLst>
-                                  <p:childTnLst>
-                                    <p:set>
-                                      <p:cBhvr>
-                                        <p:cTn id="12" dur="1" fill="hold">
-                                          <p:stCondLst>
-                                            <p:cond delay="0"/>
-                                          </p:stCondLst>
-                                        </p:cTn>
-                                        <p:tgtEl>
-                                          <p:spTgt spid="3">
-                                            <p:txEl>
-                                              <p:pRg st="2" end="2"/>
-                                            </p:txEl>
-                                          </p:spTgt>
-                                        </p:tgtEl>
-                                        <p:attrNameLst>
-                                          <p:attrName>style.visibility</p:attrName>
-                                        </p:attrNameLst>
-                                      </p:cBhvr>
-                                      <p:to>
-                                        <p:strVal val="visible"/>
-                                      </p:to>
-                                    </p:set>
-                                  </p:childTnLst>
-                                </p:cTn>
-                              </p:par>
-                              <p:par>
-                                <p:cTn id="13" presetID="1" presetClass="entr" presetSubtype="0" fill="hold" nodeType="withEffect">
-                                  <p:stCondLst>
-                                    <p:cond delay="0"/>
-                                  </p:stCondLst>
-                                  <p:childTnLst>
-                                    <p:set>
-                                      <p:cBhvr>
-                                        <p:cTn id="14" dur="1" fill="hold">
-                                          <p:stCondLst>
-                                            <p:cond delay="0"/>
-                                          </p:stCondLst>
-                                        </p:cTn>
-                                        <p:tgtEl>
-                                          <p:spTgt spid="3">
-                                            <p:txEl>
-                                              <p:pRg st="3" end="3"/>
-                                            </p:txEl>
-                                          </p:spTgt>
-                                        </p:tgtEl>
-                                        <p:attrNameLst>
-                                          <p:attrName>style.visibility</p:attrName>
-                                        </p:attrNameLst>
-                                      </p:cBhvr>
-                                      <p:to>
-                                        <p:strVal val="visible"/>
-                                      </p:to>
-                                    </p:set>
-                                  </p:childTnLst>
-                                </p:cTn>
-                              </p:par>
-                              <p:par>
-                                <p:cTn id="15" presetID="1" presetClass="entr" presetSubtype="0" fill="hold" nodeType="withEffect">
-                                  <p:stCondLst>
-                                    <p:cond delay="0"/>
-                                  </p:stCondLst>
-                                  <p:childTnLst>
-                                    <p:set>
-                                      <p:cBhvr>
-                                        <p:cTn id="16" dur="1" fill="hold">
-                                          <p:stCondLst>
-                                            <p:cond delay="0"/>
-                                          </p:stCondLst>
-                                        </p:cTn>
-                                        <p:tgtEl>
-                                          <p:spTgt spid="3">
-                                            <p:txEl>
-                                              <p:pRg st="4" end="4"/>
-                                            </p:txEl>
-                                          </p:spTgt>
-                                        </p:tgtEl>
-                                        <p:attrNameLst>
-                                          <p:attrName>style.visibility</p:attrName>
-                                        </p:attrNameLst>
-                                      </p:cBhvr>
-                                      <p:to>
-                                        <p:strVal val="visible"/>
-                                      </p:to>
-                                    </p:set>
-                                  </p:childTnLst>
-                                </p:cTn>
-                              </p:par>
-                              <p:par>
-                                <p:cTn id="17" presetID="1" presetClass="entr" presetSubtype="0" fill="hold" nodeType="withEffect">
-                                  <p:stCondLst>
-                                    <p:cond delay="0"/>
-                                  </p:stCondLst>
-                                  <p:childTnLst>
-                                    <p:set>
-                                      <p:cBhvr>
-                                        <p:cTn id="18" dur="1" fill="hold">
-                                          <p:stCondLst>
-                                            <p:cond delay="0"/>
-                                          </p:stCondLst>
-                                        </p:cTn>
-                                        <p:tgtEl>
-                                          <p:spTgt spid="3">
-                                            <p:txEl>
-                                              <p:pRg st="5" end="5"/>
-                                            </p:txEl>
-                                          </p:spTgt>
-                                        </p:tgtEl>
-                                        <p:attrNameLst>
-                                          <p:attrName>style.visibility</p:attrName>
-                                        </p:attrNameLst>
-                                      </p:cBhvr>
-                                      <p:to>
-                                        <p:strVal val="visible"/>
-                                      </p:to>
-                                    </p:set>
-                                  </p:childTnLst>
-                                </p:cTn>
-                              </p:par>
-                              <p:par>
-                                <p:cTn id="19" presetID="1" presetClass="entr" presetSubtype="0" fill="hold" nodeType="withEffect">
-                                  <p:stCondLst>
-                                    <p:cond delay="0"/>
-                                  </p:stCondLst>
-                                  <p:childTnLst>
-                                    <p:set>
-                                      <p:cBhvr>
-                                        <p:cTn id="20" dur="1" fill="hold">
-                                          <p:stCondLst>
-                                            <p:cond delay="0"/>
-                                          </p:stCondLst>
-                                        </p:cTn>
-                                        <p:tgtEl>
-                                          <p:spTgt spid="3">
-                                            <p:txEl>
-                                              <p:pRg st="6" end="6"/>
-                                            </p:txEl>
-                                          </p:spTgt>
-                                        </p:tgtEl>
-                                        <p:attrNameLst>
-                                          <p:attrName>style.visibility</p:attrName>
-                                        </p:attrNameLst>
-                                      </p:cBhvr>
-                                      <p:to>
-                                        <p:strVal val="visible"/>
-                                      </p:to>
-                                    </p:set>
-                                  </p:childTnLst>
-                                </p:cTn>
-                              </p:par>
-                            </p:childTnLst>
-                          </p:cTn>
-                        </p:par>
-                      </p:childTnLst>
-                    </p:cTn>
-                  </p:par>
-                  <p:par>
-                    <p:cTn id="21" fill="hold">
-                      <p:stCondLst>
-                        <p:cond delay="indefinite"/>
-                      </p:stCondLst>
-                      <p:childTnLst>
-                        <p:par>
-                          <p:cTn id="22" fill="hold">
-                            <p:stCondLst>
-                              <p:cond delay="0"/>
-                            </p:stCondLst>
-                            <p:childTnLst>
-                              <p:par>
-                                <p:cTn id="23" presetID="1" presetClass="entr" presetSubtype="0" fill="hold" nodeType="clickEffect">
-                                  <p:stCondLst>
-                                    <p:cond delay="0"/>
-                                  </p:stCondLst>
-                                  <p:childTnLst>
-                                    <p:set>
-                                      <p:cBhvr>
-                                        <p:cTn id="24" dur="1" fill="hold">
-                                          <p:stCondLst>
-                                            <p:cond delay="0"/>
-                                          </p:stCondLst>
-                                        </p:cTn>
-                                        <p:tgtEl>
-                                          <p:spTgt spid="7"/>
-                                        </p:tgtEl>
-                                        <p:attrNameLst>
-                                          <p:attrName>style.visibility</p:attrName>
-                                        </p:attrNameLst>
-                                      </p:cBhvr>
-                                      <p:to>
-                                        <p:strVal val="visible"/>
-                                      </p:to>
-                                    </p:set>
-                                  </p:childTnLst>
-                                </p:cTn>
-                              </p:par>
-                            </p:childTnLst>
-                          </p:cTn>
-                        </p:par>
-                      </p:childTnLst>
-                    </p:cTn>
-                  </p:par>
-                </p:childTnLst>
-              </p:cTn>
-              <p:prevCondLst>
-                <p:cond evt="onPrev" delay="0">
-                  <p:tgtEl>
-                    <p:sldTgt/>
-                  </p:tgtEl>
-                </p:cond>
-              </p:prevCondLst>
-              <p:nextCondLst>
-                <p:cond evt="onNext" delay="0">
-                  <p:tgtEl>
-                    <p:sldTgt/>
-                  </p:tgtEl>
-                </p:cond>
-              </p:nextCondLst>
-            </p:seq>
-          </p:childTnLst>
-        </p:cTn>
+        <p:cTn id="1" dur="indefinite" restart="never" nodeType="tmRoot"/>
       </p:par>
     </p:tnLst>
   </p:timing>
@@ -14171,6 +14477,15 @@
 </file>
 
 <file path=customXml/item1.xml><?xml version="1.0" encoding="utf-8"?>
+<?mso-contentType ?>
+<FormTemplates xmlns="http://schemas.microsoft.com/sharepoint/v3/contenttype/forms">
+  <Display>DocumentLibraryForm</Display>
+  <Edit>DocumentLibraryForm</Edit>
+  <New>DocumentLibraryForm</New>
+</FormTemplates>
+</file>
+
+<file path=customXml/item2.xml><?xml version="1.0" encoding="utf-8"?>
 <ct:contentTypeSchema xmlns:ct="http://schemas.microsoft.com/office/2006/metadata/contentType" xmlns:ma="http://schemas.microsoft.com/office/2006/metadata/properties/metaAttributes" ct:_="" ma:_="" ma:contentTypeName="Document" ma:contentTypeID="0x010100936691DD97235843B5E96CA882CD7A85" ma:contentTypeVersion="5" ma:contentTypeDescription="Create a new document." ma:contentTypeScope="" ma:versionID="6f08e88fdeac68ac664784283c60f55d">
   <xsd:schema xmlns:xsd="http://www.w3.org/2001/XMLSchema" xmlns:xs="http://www.w3.org/2001/XMLSchema" xmlns:p="http://schemas.microsoft.com/office/2006/metadata/properties" targetNamespace="http://schemas.microsoft.com/office/2006/metadata/properties" ma:root="true" ma:fieldsID="1b420e54b54d84c99c75ea622d6798e7">
     <xsd:element name="properties">
@@ -14284,15 +14599,6 @@
 </ct:contentTypeSchema>
 </file>
 
-<file path=customXml/item2.xml><?xml version="1.0" encoding="utf-8"?>
-<?mso-contentType ?>
-<FormTemplates xmlns="http://schemas.microsoft.com/sharepoint/v3/contenttype/forms">
-  <Display>DocumentLibraryForm</Display>
-  <Edit>DocumentLibraryForm</Edit>
-  <New>DocumentLibraryForm</New>
-</FormTemplates>
-</file>
-
 <file path=customXml/item3.xml><?xml version="1.0" encoding="utf-8"?>
 <p:properties xmlns:p="http://schemas.microsoft.com/office/2006/metadata/properties" xmlns:xsi="http://www.w3.org/2001/XMLSchema-instance" xmlns:pc="http://schemas.microsoft.com/office/infopath/2007/PartnerControls">
   <documentManagement/>
@@ -14300,6 +14606,14 @@
 </file>
 
 <file path=customXml/itemProps1.xml><?xml version="1.0" encoding="utf-8"?>
+<ds:datastoreItem xmlns:ds="http://schemas.openxmlformats.org/officeDocument/2006/customXml" ds:itemID="{6AA8B675-C754-493C-B718-CAC6BC23635B}">
+  <ds:schemaRefs>
+    <ds:schemaRef ds:uri="http://schemas.microsoft.com/sharepoint/v3/contenttype/forms"/>
+  </ds:schemaRefs>
+</ds:datastoreItem>
+</file>
+
+<file path=customXml/itemProps2.xml><?xml version="1.0" encoding="utf-8"?>
 <ds:datastoreItem xmlns:ds="http://schemas.openxmlformats.org/officeDocument/2006/customXml" ds:itemID="{89F2C655-CE6E-4709-BE63-9C397722D50F}">
   <ds:schemaRefs>
     <ds:schemaRef ds:uri="http://schemas.microsoft.com/office/2006/metadata/contentType"/>
@@ -14311,14 +14625,6 @@
     <ds:schemaRef ds:uri="http://purl.org/dc/terms/"/>
     <ds:schemaRef ds:uri="http://schemas.microsoft.com/internal/obd"/>
     <ds:schemaRef ds:uri="http://schemas.microsoft.com/office/infopath/2007/PartnerControls"/>
-  </ds:schemaRefs>
-</ds:datastoreItem>
-</file>
-
-<file path=customXml/itemProps2.xml><?xml version="1.0" encoding="utf-8"?>
-<ds:datastoreItem xmlns:ds="http://schemas.openxmlformats.org/officeDocument/2006/customXml" ds:itemID="{6AA8B675-C754-493C-B718-CAC6BC23635B}">
-  <ds:schemaRefs>
-    <ds:schemaRef ds:uri="http://schemas.microsoft.com/sharepoint/v3/contenttype/forms"/>
   </ds:schemaRefs>
 </ds:datastoreItem>
 </file>
